--- a/conferencias/conferencia_03.2_referencias_y_valores_copia_e_igualdad_traspaso_de_parámetros.pptx
+++ b/conferencias/conferencia_03.2_referencias_y_valores_copia_e_igualdad_traspaso_de_parámetros.pptx
@@ -5,7 +5,7 @@
     <p:sldMasterId id="2147483648" r:id="rId1"/>
   </p:sldMasterIdLst>
   <p:notesMasterIdLst>
-    <p:notesMasterId r:id="rId26"/>
+    <p:notesMasterId r:id="rId27"/>
   </p:notesMasterIdLst>
   <p:sldIdLst>
     <p:sldId id="283" r:id="rId2"/>
@@ -31,7 +31,8 @@
     <p:sldId id="303" r:id="rId22"/>
     <p:sldId id="307" r:id="rId23"/>
     <p:sldId id="304" r:id="rId24"/>
-    <p:sldId id="305" r:id="rId25"/>
+    <p:sldId id="308" r:id="rId25"/>
+    <p:sldId id="305" r:id="rId26"/>
   </p:sldIdLst>
   <p:sldSz cx="12192000" cy="6858000"/>
   <p:notesSz cx="6858000" cy="9144000"/>
@@ -226,7 +227,7 @@
           <a:p>
             <a:fld id="{3EFD42F7-718C-4B98-AAEC-167E6DDD60A7}" type="datetimeFigureOut">
               <a:rPr lang="en-US" smtClean="0"/>
-              <a:t>9/23/2022</a:t>
+              <a:t>10/5/2022</a:t>
             </a:fld>
             <a:endParaRPr lang="en-US"/>
           </a:p>
@@ -1276,11 +1277,7 @@
             </a:r>
             <a:r>
               <a:rPr lang="en-US" baseline="0" dirty="0" smtClean="0"/>
-              <a:t> </a:t>
-            </a:r>
-            <a:r>
-              <a:rPr lang="en-US" baseline="0" dirty="0" smtClean="0"/>
-              <a:t>y </a:t>
+              <a:t> y </a:t>
             </a:r>
             <a:r>
               <a:rPr lang="en-US" baseline="0" dirty="0" err="1" smtClean="0"/>
@@ -1320,11 +1317,7 @@
             </a:r>
             <a:r>
               <a:rPr lang="en-US" baseline="0" dirty="0" smtClean="0"/>
-              <a:t>, </a:t>
-            </a:r>
-            <a:r>
-              <a:rPr lang="en-US" baseline="0" dirty="0" smtClean="0"/>
-              <a:t>y </a:t>
+              <a:t>, y </a:t>
             </a:r>
             <a:r>
               <a:rPr lang="en-US" b="1" baseline="0" dirty="0" smtClean="0"/>
@@ -1340,11 +1333,7 @@
             </a:r>
             <a:r>
               <a:rPr lang="en-US" baseline="0" dirty="0" smtClean="0"/>
-              <a:t> C</a:t>
-            </a:r>
-            <a:r>
-              <a:rPr lang="en-US" baseline="0" dirty="0" smtClean="0"/>
-              <a:t>#</a:t>
+              <a:t> C#</a:t>
             </a:r>
           </a:p>
           <a:p>
@@ -6238,11 +6227,7 @@
             </a:pPr>
             <a:r>
               <a:rPr lang="es-MX" b="0" baseline="0" dirty="0" smtClean="0"/>
-              <a:t>¿Cómo es esto en otros LP</a:t>
-            </a:r>
-            <a:r>
-              <a:rPr lang="es-MX" b="0" baseline="0" dirty="0" smtClean="0"/>
-              <a:t>?</a:t>
+              <a:t>¿Cómo es esto en otros LP?</a:t>
             </a:r>
           </a:p>
           <a:p>
@@ -6935,25 +6920,7 @@
                 <a:ea typeface="+mn-ea"/>
                 <a:cs typeface="+mn-cs"/>
               </a:rPr>
-              <a:t> </a:t>
-            </a:r>
-            <a:r>
-              <a:rPr lang="en-US" sz="1200" b="0" kern="1200" dirty="0" smtClean="0">
-                <a:solidFill>
-                  <a:srgbClr val="FFFF00"/>
-                </a:solidFill>
-                <a:effectLst>
-                  <a:outerShdw blurRad="38100" dist="38100" dir="2700000" algn="tl">
-                    <a:srgbClr val="000000">
-                      <a:alpha val="43137"/>
-                    </a:srgbClr>
-                  </a:outerShdw>
-                </a:effectLst>
-                <a:latin typeface="Consolas" panose="020B0609020204030204" pitchFamily="49" charset="0"/>
-                <a:ea typeface="+mn-ea"/>
-                <a:cs typeface="+mn-cs"/>
-              </a:rPr>
-              <a:t>el </a:t>
+              <a:t> el </a:t>
             </a:r>
             <a:r>
               <a:rPr lang="en-US" sz="1200" b="0" kern="1200" dirty="0" err="1" smtClean="0">
@@ -7189,7 +7156,7 @@
           <a:p>
             <a:fld id="{2FBED1A1-70B8-45CE-A0BE-1A94BFD34D4E}" type="slidenum">
               <a:rPr lang="en-US" smtClean="0"/>
-              <a:t>24</a:t>
+              <a:t>25</a:t>
             </a:fld>
             <a:endParaRPr lang="en-US"/>
           </a:p>
@@ -10292,7 +10259,7 @@
           <a:p>
             <a:fld id="{63A1C593-65D0-4073-BCC9-577B9352EA97}" type="datetimeFigureOut">
               <a:rPr lang="en-US" smtClean="0"/>
-              <a:t>9/23/2022</a:t>
+              <a:t>10/5/2022</a:t>
             </a:fld>
             <a:endParaRPr lang="en-US"/>
           </a:p>
@@ -10478,7 +10445,7 @@
           <a:p>
             <a:fld id="{63A1C593-65D0-4073-BCC9-577B9352EA97}" type="datetimeFigureOut">
               <a:rPr lang="en-US" smtClean="0"/>
-              <a:t>9/23/2022</a:t>
+              <a:t>10/5/2022</a:t>
             </a:fld>
             <a:endParaRPr lang="en-US"/>
           </a:p>
@@ -10654,7 +10621,7 @@
           <a:p>
             <a:fld id="{63A1C593-65D0-4073-BCC9-577B9352EA97}" type="datetimeFigureOut">
               <a:rPr lang="en-US" smtClean="0"/>
-              <a:t>9/23/2022</a:t>
+              <a:t>10/5/2022</a:t>
             </a:fld>
             <a:endParaRPr lang="en-US"/>
           </a:p>
@@ -10906,7 +10873,7 @@
           <a:p>
             <a:fld id="{63A1C593-65D0-4073-BCC9-577B9352EA97}" type="datetimeFigureOut">
               <a:rPr lang="en-US" smtClean="0"/>
-              <a:t>9/23/2022</a:t>
+              <a:t>10/5/2022</a:t>
             </a:fld>
             <a:endParaRPr lang="en-US"/>
           </a:p>
@@ -11144,7 +11111,7 @@
           <a:p>
             <a:fld id="{63A1C593-65D0-4073-BCC9-577B9352EA97}" type="datetimeFigureOut">
               <a:rPr lang="en-US" smtClean="0"/>
-              <a:t>9/23/2022</a:t>
+              <a:t>10/5/2022</a:t>
             </a:fld>
             <a:endParaRPr lang="en-US"/>
           </a:p>
@@ -11517,7 +11484,7 @@
           <a:p>
             <a:fld id="{63A1C593-65D0-4073-BCC9-577B9352EA97}" type="datetimeFigureOut">
               <a:rPr lang="en-US" smtClean="0"/>
-              <a:t>9/23/2022</a:t>
+              <a:t>10/5/2022</a:t>
             </a:fld>
             <a:endParaRPr lang="en-US"/>
           </a:p>
@@ -11641,7 +11608,7 @@
           <a:p>
             <a:fld id="{63A1C593-65D0-4073-BCC9-577B9352EA97}" type="datetimeFigureOut">
               <a:rPr lang="en-US" smtClean="0"/>
-              <a:t>9/23/2022</a:t>
+              <a:t>10/5/2022</a:t>
             </a:fld>
             <a:endParaRPr lang="en-US"/>
           </a:p>
@@ -11742,7 +11709,7 @@
           <a:p>
             <a:fld id="{63A1C593-65D0-4073-BCC9-577B9352EA97}" type="datetimeFigureOut">
               <a:rPr lang="en-US" smtClean="0"/>
-              <a:t>9/23/2022</a:t>
+              <a:t>10/5/2022</a:t>
             </a:fld>
             <a:endParaRPr lang="en-US"/>
           </a:p>
@@ -12025,7 +11992,7 @@
           <a:p>
             <a:fld id="{63A1C593-65D0-4073-BCC9-577B9352EA97}" type="datetimeFigureOut">
               <a:rPr lang="en-US" smtClean="0"/>
-              <a:t>9/23/2022</a:t>
+              <a:t>10/5/2022</a:t>
             </a:fld>
             <a:endParaRPr lang="en-US"/>
           </a:p>
@@ -12284,7 +12251,7 @@
           <a:p>
             <a:fld id="{63A1C593-65D0-4073-BCC9-577B9352EA97}" type="datetimeFigureOut">
               <a:rPr lang="en-US" smtClean="0"/>
-              <a:t>9/23/2022</a:t>
+              <a:t>10/5/2022</a:t>
             </a:fld>
             <a:endParaRPr lang="en-US"/>
           </a:p>
@@ -13605,7 +13572,11 @@
               <a:rPr lang="en-US" smtClean="0"/>
               <a:t>10</a:t>
             </a:fld>
-            <a:endParaRPr lang="en-US"/>
+            <a:r>
+              <a:rPr lang="en-US" dirty="0" smtClean="0"/>
+              <a:t>y e</a:t>
+            </a:r>
+            <a:endParaRPr lang="en-US" dirty="0"/>
           </a:p>
         </p:txBody>
       </p:sp>
@@ -13679,13 +13650,19 @@
               <a:rPr lang="en-US" dirty="0" err="1" smtClean="0">
                 <a:latin typeface="Arial Narrow" panose="020B0606020202030204" pitchFamily="34" charset="0"/>
               </a:rPr>
-              <a:t>implícitam</a:t>
+              <a:t>implícitamente</a:t>
+            </a:r>
+            <a:r>
+              <a:rPr lang="en-US" dirty="0" smtClean="0">
+                <a:latin typeface="Arial Narrow" panose="020B0606020202030204" pitchFamily="34" charset="0"/>
+              </a:rPr>
+              <a:t> </a:t>
             </a:r>
             <a:r>
               <a:rPr lang="en-US" dirty="0" err="1" smtClean="0">
                 <a:latin typeface="Arial Narrow" panose="020B0606020202030204" pitchFamily="34" charset="0"/>
               </a:rPr>
-              <a:t>ente</a:t>
+              <a:t>los</a:t>
             </a:r>
             <a:r>
               <a:rPr lang="en-US" dirty="0" smtClean="0">
@@ -13697,6 +13674,102 @@
               <a:rPr lang="en-US" dirty="0" err="1" smtClean="0">
                 <a:latin typeface="Arial Narrow" panose="020B0606020202030204" pitchFamily="34" charset="0"/>
               </a:rPr>
+              <a:t>tipos</a:t>
+            </a:r>
+            <a:r>
+              <a:rPr lang="en-US" dirty="0" smtClean="0">
+                <a:latin typeface="Arial Narrow" panose="020B0606020202030204" pitchFamily="34" charset="0"/>
+              </a:rPr>
+              <a:t> de </a:t>
+            </a:r>
+            <a:r>
+              <a:rPr lang="en-US" dirty="0" err="1" smtClean="0">
+                <a:latin typeface="Arial Narrow" panose="020B0606020202030204" pitchFamily="34" charset="0"/>
+              </a:rPr>
+              <a:t>valores</a:t>
+            </a:r>
+            <a:r>
+              <a:rPr lang="en-US" dirty="0" smtClean="0">
+                <a:latin typeface="Arial Narrow" panose="020B0606020202030204" pitchFamily="34" charset="0"/>
+              </a:rPr>
+              <a:t> </a:t>
+            </a:r>
+            <a:r>
+              <a:rPr lang="en-US" dirty="0" err="1" smtClean="0">
+                <a:latin typeface="Arial Narrow" panose="020B0606020202030204" pitchFamily="34" charset="0"/>
+              </a:rPr>
+              <a:t>atómicos</a:t>
+            </a:r>
+            <a:r>
+              <a:rPr lang="en-US" dirty="0" smtClean="0">
+                <a:latin typeface="Arial Narrow" panose="020B0606020202030204" pitchFamily="34" charset="0"/>
+              </a:rPr>
+              <a:t> o simples </a:t>
+            </a:r>
+            <a:r>
+              <a:rPr lang="en-US" dirty="0" err="1" smtClean="0">
+                <a:latin typeface="Arial Narrow" panose="020B0606020202030204" pitchFamily="34" charset="0"/>
+              </a:rPr>
+              <a:t>por</a:t>
+            </a:r>
+            <a:r>
+              <a:rPr lang="en-US" dirty="0" smtClean="0">
+                <a:latin typeface="Arial Narrow" panose="020B0606020202030204" pitchFamily="34" charset="0"/>
+              </a:rPr>
+              <a:t> </a:t>
+            </a:r>
+            <a:r>
+              <a:rPr lang="en-US" b="1" dirty="0" smtClean="0">
+                <a:latin typeface="Arial Narrow" panose="020B0606020202030204" pitchFamily="34" charset="0"/>
+              </a:rPr>
+              <a:t>valor</a:t>
+            </a:r>
+            <a:r>
+              <a:rPr lang="en-US" dirty="0" smtClean="0">
+                <a:latin typeface="Arial Narrow" panose="020B0606020202030204" pitchFamily="34" charset="0"/>
+              </a:rPr>
+              <a:t> y </a:t>
+            </a:r>
+            <a:r>
+              <a:rPr lang="en-US" dirty="0" err="1" smtClean="0">
+                <a:latin typeface="Arial Narrow" panose="020B0606020202030204" pitchFamily="34" charset="0"/>
+              </a:rPr>
+              <a:t>tratar</a:t>
+            </a:r>
+            <a:r>
+              <a:rPr lang="en-US" dirty="0" smtClean="0">
+                <a:latin typeface="Arial Narrow" panose="020B0606020202030204" pitchFamily="34" charset="0"/>
+              </a:rPr>
+              <a:t> </a:t>
+            </a:r>
+            <a:r>
+              <a:rPr lang="en-US" dirty="0" err="1" smtClean="0">
+                <a:latin typeface="Arial Narrow" panose="020B0606020202030204" pitchFamily="34" charset="0"/>
+              </a:rPr>
+              <a:t>por</a:t>
+            </a:r>
+            <a:r>
+              <a:rPr lang="en-US" dirty="0" smtClean="0">
+                <a:latin typeface="Arial Narrow" panose="020B0606020202030204" pitchFamily="34" charset="0"/>
+              </a:rPr>
+              <a:t> </a:t>
+            </a:r>
+            <a:r>
+              <a:rPr lang="en-US" b="1" dirty="0" err="1" smtClean="0">
+                <a:latin typeface="Arial Narrow" panose="020B0606020202030204" pitchFamily="34" charset="0"/>
+              </a:rPr>
+              <a:t>referencia</a:t>
+            </a:r>
+            <a:r>
+              <a:rPr lang="en-US" dirty="0" smtClean="0">
+                <a:latin typeface="Arial Narrow" panose="020B0606020202030204" pitchFamily="34" charset="0"/>
+              </a:rPr>
+              <a:t> </a:t>
+            </a:r>
+            <a:r>
+              <a:rPr lang="en-US" dirty="0" err="1" smtClean="0">
+                <a:latin typeface="Arial Narrow" panose="020B0606020202030204" pitchFamily="34" charset="0"/>
+              </a:rPr>
               <a:t>los</a:t>
             </a:r>
             <a:r>
@@ -13715,13 +13788,13 @@
               <a:rPr lang="en-US" dirty="0" smtClean="0">
                 <a:latin typeface="Arial Narrow" panose="020B0606020202030204" pitchFamily="34" charset="0"/>
               </a:rPr>
-              <a:t> de </a:t>
+              <a:t> arrays, strings o </a:t>
             </a:r>
             <a:r>
               <a:rPr lang="en-US" dirty="0" err="1" smtClean="0">
                 <a:latin typeface="Arial Narrow" panose="020B0606020202030204" pitchFamily="34" charset="0"/>
               </a:rPr>
-              <a:t>valores</a:t>
+              <a:t>compuestos</a:t>
             </a:r>
             <a:r>
               <a:rPr lang="en-US" dirty="0" smtClean="0">
@@ -13733,13 +13806,13 @@
               <a:rPr lang="en-US" dirty="0" err="1" smtClean="0">
                 <a:latin typeface="Arial Narrow" panose="020B0606020202030204" pitchFamily="34" charset="0"/>
               </a:rPr>
-              <a:t>atómicos</a:t>
+              <a:t>formados</a:t>
             </a:r>
             <a:r>
               <a:rPr lang="en-US" dirty="0" smtClean="0">
                 <a:latin typeface="Arial Narrow" panose="020B0606020202030204" pitchFamily="34" charset="0"/>
               </a:rPr>
-              <a:t> o simples </a:t>
+              <a:t> </a:t>
             </a:r>
             <a:r>
               <a:rPr lang="en-US" dirty="0" err="1" smtClean="0">
@@ -13754,22 +13827,58 @@
               <a:t> </a:t>
             </a:r>
             <a:r>
-              <a:rPr lang="en-US" b="1" dirty="0" smtClean="0">
-                <a:latin typeface="Arial Narrow" panose="020B0606020202030204" pitchFamily="34" charset="0"/>
-              </a:rPr>
-              <a:t>valor</a:t>
+              <a:rPr lang="en-US" dirty="0" err="1" smtClean="0">
+                <a:latin typeface="Arial Narrow" panose="020B0606020202030204" pitchFamily="34" charset="0"/>
+              </a:rPr>
+              <a:t>composición</a:t>
             </a:r>
             <a:r>
               <a:rPr lang="en-US" dirty="0" smtClean="0">
                 <a:latin typeface="Arial Narrow" panose="020B0606020202030204" pitchFamily="34" charset="0"/>
               </a:rPr>
+              <a:t> es el </a:t>
+            </a:r>
+            <a:r>
+              <a:rPr lang="en-US" dirty="0" err="1" smtClean="0">
+                <a:latin typeface="Arial Narrow" panose="020B0606020202030204" pitchFamily="34" charset="0"/>
+              </a:rPr>
+              <a:t>más</a:t>
+            </a:r>
+            <a:r>
+              <a:rPr lang="en-US" dirty="0" smtClean="0">
+                <a:latin typeface="Arial Narrow" panose="020B0606020202030204" pitchFamily="34" charset="0"/>
+              </a:rPr>
+              <a:t> </a:t>
+            </a:r>
+            <a:r>
+              <a:rPr lang="en-US" dirty="0" err="1" smtClean="0">
+                <a:latin typeface="Arial Narrow" panose="020B0606020202030204" pitchFamily="34" charset="0"/>
+              </a:rPr>
+              <a:t>común</a:t>
+            </a:r>
+            <a:r>
+              <a:rPr lang="en-US" dirty="0" smtClean="0">
+                <a:latin typeface="Arial Narrow" panose="020B0606020202030204" pitchFamily="34" charset="0"/>
+              </a:rPr>
+              <a:t>, </a:t>
+            </a:r>
+            <a:r>
+              <a:rPr lang="en-US" dirty="0" err="1" smtClean="0">
+                <a:latin typeface="Arial Narrow" panose="020B0606020202030204" pitchFamily="34" charset="0"/>
+              </a:rPr>
+              <a:t>eficiente</a:t>
+            </a:r>
+            <a:r>
+              <a:rPr lang="en-US" dirty="0" smtClean="0">
+                <a:latin typeface="Arial Narrow" panose="020B0606020202030204" pitchFamily="34" charset="0"/>
+              </a:rPr>
               <a:t> y </a:t>
             </a:r>
             <a:r>
               <a:rPr lang="en-US" dirty="0" err="1" smtClean="0">
                 <a:latin typeface="Arial Narrow" panose="020B0606020202030204" pitchFamily="34" charset="0"/>
               </a:rPr>
-              <a:t>tratar</a:t>
+              <a:t>menos</a:t>
             </a:r>
             <a:r>
               <a:rPr lang="en-US" dirty="0" smtClean="0">
@@ -13781,151 +13890,37 @@
               <a:rPr lang="en-US" dirty="0" err="1" smtClean="0">
                 <a:latin typeface="Arial Narrow" panose="020B0606020202030204" pitchFamily="34" charset="0"/>
               </a:rPr>
-              <a:t>por</a:t>
+              <a:t>propenso</a:t>
             </a:r>
             <a:r>
               <a:rPr lang="en-US" dirty="0" smtClean="0">
                 <a:latin typeface="Arial Narrow" panose="020B0606020202030204" pitchFamily="34" charset="0"/>
               </a:rPr>
-              <a:t> </a:t>
-            </a:r>
-            <a:r>
-              <a:rPr lang="en-US" b="1" dirty="0" err="1" smtClean="0">
-                <a:latin typeface="Arial Narrow" panose="020B0606020202030204" pitchFamily="34" charset="0"/>
-              </a:rPr>
-              <a:t>referencia</a:t>
+              <a:t> a </a:t>
+            </a:r>
+            <a:r>
+              <a:rPr lang="en-US" dirty="0">
+                <a:latin typeface="Arial Narrow" panose="020B0606020202030204" pitchFamily="34" charset="0"/>
+              </a:rPr>
+              <a:t>errors </a:t>
             </a:r>
             <a:r>
               <a:rPr lang="en-US" dirty="0" smtClean="0">
                 <a:latin typeface="Arial Narrow" panose="020B0606020202030204" pitchFamily="34" charset="0"/>
               </a:rPr>
-              <a:t> </a:t>
-            </a:r>
-            <a:r>
-              <a:rPr lang="en-US" dirty="0" err="1" smtClean="0">
-                <a:latin typeface="Arial Narrow" panose="020B0606020202030204" pitchFamily="34" charset="0"/>
-              </a:rPr>
-              <a:t>los</a:t>
+              <a:t>(Java</a:t>
+            </a:r>
+            <a:r>
+              <a:rPr lang="en-US" dirty="0">
+                <a:latin typeface="Arial Narrow" panose="020B0606020202030204" pitchFamily="34" charset="0"/>
+              </a:rPr>
+              <a:t>, C#, </a:t>
             </a:r>
             <a:r>
               <a:rPr lang="en-US" dirty="0" smtClean="0">
                 <a:latin typeface="Arial Narrow" panose="020B0606020202030204" pitchFamily="34" charset="0"/>
               </a:rPr>
-              <a:t> </a:t>
-            </a:r>
-            <a:r>
-              <a:rPr lang="en-US" dirty="0" err="1" smtClean="0">
-                <a:latin typeface="Arial Narrow" panose="020B0606020202030204" pitchFamily="34" charset="0"/>
-              </a:rPr>
-              <a:t>tipos</a:t>
-            </a:r>
-            <a:r>
-              <a:rPr lang="en-US" dirty="0" smtClean="0">
-                <a:latin typeface="Arial Narrow" panose="020B0606020202030204" pitchFamily="34" charset="0"/>
-              </a:rPr>
-              <a:t> arrays, strings o </a:t>
-            </a:r>
-            <a:r>
-              <a:rPr lang="en-US" dirty="0" err="1" smtClean="0">
-                <a:latin typeface="Arial Narrow" panose="020B0606020202030204" pitchFamily="34" charset="0"/>
-              </a:rPr>
-              <a:t>compuestos</a:t>
-            </a:r>
-            <a:r>
-              <a:rPr lang="en-US" dirty="0" smtClean="0">
-                <a:latin typeface="Arial Narrow" panose="020B0606020202030204" pitchFamily="34" charset="0"/>
-              </a:rPr>
-              <a:t> </a:t>
-            </a:r>
-            <a:r>
-              <a:rPr lang="en-US" dirty="0" err="1" smtClean="0">
-                <a:latin typeface="Arial Narrow" panose="020B0606020202030204" pitchFamily="34" charset="0"/>
-              </a:rPr>
-              <a:t>formados</a:t>
-            </a:r>
-            <a:r>
-              <a:rPr lang="en-US" dirty="0" smtClean="0">
-                <a:latin typeface="Arial Narrow" panose="020B0606020202030204" pitchFamily="34" charset="0"/>
-              </a:rPr>
-              <a:t> </a:t>
-            </a:r>
-            <a:r>
-              <a:rPr lang="en-US" dirty="0" err="1" smtClean="0">
-                <a:latin typeface="Arial Narrow" panose="020B0606020202030204" pitchFamily="34" charset="0"/>
-              </a:rPr>
-              <a:t>por</a:t>
-            </a:r>
-            <a:r>
-              <a:rPr lang="en-US" dirty="0" smtClean="0">
-                <a:latin typeface="Arial Narrow" panose="020B0606020202030204" pitchFamily="34" charset="0"/>
-              </a:rPr>
-              <a:t> </a:t>
-            </a:r>
-            <a:r>
-              <a:rPr lang="en-US" dirty="0" err="1" smtClean="0">
-                <a:latin typeface="Arial Narrow" panose="020B0606020202030204" pitchFamily="34" charset="0"/>
-              </a:rPr>
-              <a:t>composición</a:t>
-            </a:r>
-            <a:r>
-              <a:rPr lang="en-US" dirty="0" smtClean="0">
-                <a:latin typeface="Arial Narrow" panose="020B0606020202030204" pitchFamily="34" charset="0"/>
-              </a:rPr>
-              <a:t> es el </a:t>
-            </a:r>
-            <a:r>
-              <a:rPr lang="en-US" dirty="0" err="1" smtClean="0">
-                <a:latin typeface="Arial Narrow" panose="020B0606020202030204" pitchFamily="34" charset="0"/>
-              </a:rPr>
-              <a:t>más</a:t>
-            </a:r>
-            <a:r>
-              <a:rPr lang="en-US" dirty="0" smtClean="0">
-                <a:latin typeface="Arial Narrow" panose="020B0606020202030204" pitchFamily="34" charset="0"/>
-              </a:rPr>
-              <a:t> </a:t>
-            </a:r>
-            <a:r>
-              <a:rPr lang="en-US" dirty="0" err="1" smtClean="0">
-                <a:latin typeface="Arial Narrow" panose="020B0606020202030204" pitchFamily="34" charset="0"/>
-              </a:rPr>
-              <a:t>común</a:t>
-            </a:r>
-            <a:r>
-              <a:rPr lang="en-US" dirty="0" smtClean="0">
-                <a:latin typeface="Arial Narrow" panose="020B0606020202030204" pitchFamily="34" charset="0"/>
-              </a:rPr>
-              <a:t> Java, C#, Python y </a:t>
-            </a:r>
-            <a:r>
-              <a:rPr lang="en-US" dirty="0" err="1" smtClean="0">
-                <a:latin typeface="Arial Narrow" panose="020B0606020202030204" pitchFamily="34" charset="0"/>
-              </a:rPr>
-              <a:t>menos</a:t>
-            </a:r>
-            <a:r>
-              <a:rPr lang="en-US" dirty="0" smtClean="0">
-                <a:latin typeface="Arial Narrow" panose="020B0606020202030204" pitchFamily="34" charset="0"/>
-              </a:rPr>
-              <a:t> </a:t>
-            </a:r>
-            <a:r>
-              <a:rPr lang="en-US" dirty="0" err="1" smtClean="0">
-                <a:latin typeface="Arial Narrow" panose="020B0606020202030204" pitchFamily="34" charset="0"/>
-              </a:rPr>
-              <a:t>propenso</a:t>
-            </a:r>
-            <a:r>
-              <a:rPr lang="en-US" dirty="0" smtClean="0">
-                <a:latin typeface="Arial Narrow" panose="020B0606020202030204" pitchFamily="34" charset="0"/>
-              </a:rPr>
-              <a:t> a </a:t>
-            </a:r>
-            <a:r>
-              <a:rPr lang="en-US" dirty="0" err="1" smtClean="0">
-                <a:latin typeface="Arial Narrow" panose="020B0606020202030204" pitchFamily="34" charset="0"/>
-              </a:rPr>
-              <a:t>errores</a:t>
+              <a:t>Python)</a:t>
             </a:r>
             <a:endParaRPr lang="en-US" dirty="0">
               <a:latin typeface="Arial Narrow" panose="020B0606020202030204" pitchFamily="34" charset="0"/>
@@ -16459,15 +16454,7 @@
             </a:r>
             <a:r>
               <a:rPr lang="es-ES_tradnl" sz="2400" dirty="0" smtClean="0"/>
-              <a:t>El valor </a:t>
-            </a:r>
-            <a:r>
-              <a:rPr lang="es-ES_tradnl" sz="2400" dirty="0" smtClean="0"/>
-              <a:t>computado de la expresión </a:t>
-            </a:r>
-            <a:r>
-              <a:rPr lang="es-ES_tradnl" sz="2400" dirty="0" smtClean="0"/>
-              <a:t>parámetro real se copia sobre la memoria asociada al parámetro formal. </a:t>
+              <a:t>El valor computado de la expresión parámetro real se copia sobre la memoria asociada al parámetro formal. </a:t>
             </a:r>
           </a:p>
           <a:p>
@@ -16480,19 +16467,11 @@
             </a:r>
             <a:r>
               <a:rPr lang="en-US" sz="2400" dirty="0"/>
-              <a:t>++, C#, Python, </a:t>
-            </a:r>
-            <a:r>
-              <a:rPr lang="en-US" sz="2400" dirty="0"/>
-              <a:t>Swift, Eiffel</a:t>
+              <a:t>++, C#, Python, Swift, Eiffel</a:t>
             </a:r>
             <a:r>
               <a:rPr lang="es-ES_tradnl" sz="2400" dirty="0"/>
-              <a:t>) </a:t>
-            </a:r>
-            <a:r>
-              <a:rPr lang="es-ES_tradnl" sz="2400" dirty="0"/>
-              <a:t>. </a:t>
+              <a:t>) . </a:t>
             </a:r>
           </a:p>
           <a:p>
@@ -16610,14 +16589,7 @@
                 <a:latin typeface="Consolas" pitchFamily="49" charset="0"/>
                 <a:cs typeface="Consolas" pitchFamily="49" charset="0"/>
               </a:rPr>
-              <a:t>expresión que </a:t>
-            </a:r>
-            <a:r>
-              <a:rPr lang="es-ES_tradnl" sz="2000" i="1" dirty="0" smtClean="0">
-                <a:latin typeface="Consolas" pitchFamily="49" charset="0"/>
-                <a:cs typeface="Consolas" pitchFamily="49" charset="0"/>
-              </a:rPr>
-              <a:t>produce un valor</a:t>
+              <a:t>expresión que produce un valor</a:t>
             </a:r>
             <a:r>
               <a:rPr lang="es-ES_tradnl" sz="2000" dirty="0" smtClean="0">
@@ -17151,8 +17123,8 @@
         </p:nvSpPr>
         <p:spPr>
           <a:xfrm>
-            <a:off x="709480" y="1306593"/>
-            <a:ext cx="10552687" cy="4124206"/>
+            <a:off x="801113" y="694235"/>
+            <a:ext cx="10552687" cy="5884688"/>
           </a:xfrm>
           <a:prstGeom prst="rect">
             <a:avLst/>
@@ -17263,7 +17235,7 @@
               <a:defRPr/>
             </a:pPr>
             <a:r>
-              <a:rPr lang="es-ES_tradnl" sz="2000" dirty="0"/>
+              <a:rPr lang="es-ES_tradnl" sz="2400" dirty="0"/>
               <a:t>No se pasa copia del parámetro real al parámetro formal al hacer la llamada.</a:t>
             </a:r>
           </a:p>
@@ -17275,43 +17247,43 @@
               <a:defRPr/>
             </a:pPr>
             <a:r>
-              <a:rPr lang="es-ES_tradnl" sz="2000" dirty="0"/>
+              <a:rPr lang="es-ES_tradnl" sz="2400" dirty="0"/>
               <a:t>El parámetro formal se usa como variable local </a:t>
             </a:r>
             <a:r>
-              <a:rPr lang="es-ES_tradnl" sz="2000" dirty="0" smtClean="0"/>
+              <a:rPr lang="es-ES_tradnl" sz="2400" dirty="0" smtClean="0"/>
               <a:t>por lo que primero </a:t>
             </a:r>
             <a:r>
-              <a:rPr lang="es-ES_tradnl" sz="2000" dirty="0"/>
+              <a:rPr lang="es-ES_tradnl" sz="2400" dirty="0"/>
               <a:t>debe usarse por </a:t>
             </a:r>
             <a:r>
-              <a:rPr lang="es-ES_tradnl" sz="2000" b="1" dirty="0"/>
+              <a:rPr lang="es-ES_tradnl" sz="2400" b="1" dirty="0"/>
               <a:t>parte </a:t>
             </a:r>
             <a:r>
-              <a:rPr lang="es-ES_tradnl" sz="2000" b="1" dirty="0" smtClean="0"/>
+              <a:rPr lang="es-ES_tradnl" sz="2400" b="1" dirty="0" smtClean="0"/>
               <a:t>izquierda </a:t>
             </a:r>
             <a:r>
-              <a:rPr lang="es-ES_tradnl" sz="2000" dirty="0" smtClean="0"/>
+              <a:rPr lang="es-ES_tradnl" sz="2400" dirty="0" smtClean="0"/>
               <a:t>para asegurar que recibe un valor. </a:t>
             </a:r>
             <a:r>
-              <a:rPr lang="es-ES_tradnl" sz="2000" dirty="0"/>
+              <a:rPr lang="es-ES_tradnl" sz="2400" dirty="0"/>
               <a:t>El valor que se encuentre en </a:t>
             </a:r>
             <a:r>
-              <a:rPr lang="es-ES_tradnl" sz="2000" dirty="0" smtClean="0"/>
+              <a:rPr lang="es-ES_tradnl" sz="2400" dirty="0" smtClean="0"/>
               <a:t>el parámetro formal se copiará de regreso en el parámetro </a:t>
             </a:r>
             <a:r>
-              <a:rPr lang="es-ES_tradnl" sz="2000" dirty="0"/>
+              <a:rPr lang="es-ES_tradnl" sz="2400" dirty="0"/>
               <a:t>real al </a:t>
             </a:r>
             <a:r>
-              <a:rPr lang="es-ES_tradnl" sz="2000" dirty="0" smtClean="0"/>
+              <a:rPr lang="es-ES_tradnl" sz="2400" dirty="0" smtClean="0"/>
               <a:t>retornar.</a:t>
             </a:r>
           </a:p>
@@ -17323,10 +17295,10 @@
               <a:defRPr/>
             </a:pPr>
             <a:r>
-              <a:rPr lang="es-ES_tradnl" sz="2000" dirty="0" smtClean="0"/>
+              <a:rPr lang="es-ES_tradnl" sz="2400" dirty="0" smtClean="0"/>
               <a:t>El compilador debería asegurarse que el parámetro real sea una entidad, digamos una variable,  para que pueda recibir el valor que se regrese a través del parámetro real </a:t>
             </a:r>
-            <a:endParaRPr lang="es-ES_tradnl" sz="2000" dirty="0"/>
+            <a:endParaRPr lang="es-ES_tradnl" sz="2400" dirty="0"/>
           </a:p>
           <a:p>
             <a:pPr lvl="1">
@@ -17336,27 +17308,37 @@
               <a:defRPr/>
             </a:pPr>
             <a:r>
-              <a:rPr lang="es-ES_tradnl" sz="2000" dirty="0" smtClean="0"/>
+              <a:rPr lang="es-ES_tradnl" sz="2400" dirty="0" smtClean="0"/>
               <a:t>Este es el caso por ejemplo cuando el parámetro formal es especificado </a:t>
             </a:r>
             <a:r>
-              <a:rPr lang="es-ES_tradnl" sz="2000" b="1" dirty="0" err="1" smtClean="0"/>
+              <a:rPr lang="es-ES_tradnl" sz="2400" b="1" dirty="0" err="1" smtClean="0"/>
               <a:t>out</a:t>
             </a:r>
             <a:r>
-              <a:rPr lang="es-ES_tradnl" sz="2000" dirty="0" smtClean="0"/>
-              <a:t> en C#. Si el parámetro real no es una variable el compilador debe dar error. Una llamada de la forma F(k+1) si el parámetro formal es </a:t>
-            </a:r>
-            <a:r>
-              <a:rPr lang="es-ES_tradnl" sz="2000" b="1" dirty="0" err="1" smtClean="0"/>
+              <a:rPr lang="es-ES_tradnl" sz="2400" dirty="0" smtClean="0"/>
+              <a:t> en C#. Si el parámetro real no es una variable el compilador en este caso debe dar error. Una llamada de la forma </a:t>
+            </a:r>
+            <a:r>
+              <a:rPr lang="es-ES_tradnl" sz="2800" b="1" dirty="0" smtClean="0">
+                <a:latin typeface="Consolas" panose="020B0609020204030204" pitchFamily="49" charset="0"/>
+              </a:rPr>
+              <a:t>F(k+1) </a:t>
+            </a:r>
+            <a:r>
+              <a:rPr lang="es-ES_tradnl" sz="2400" dirty="0" smtClean="0"/>
+              <a:t>si el parámetro formal es </a:t>
+            </a:r>
+            <a:r>
+              <a:rPr lang="es-ES_tradnl" sz="2400" b="1" dirty="0" err="1" smtClean="0"/>
               <a:t>out</a:t>
             </a:r>
             <a:r>
-              <a:rPr lang="es-ES_tradnl" sz="2000" b="1" dirty="0" smtClean="0"/>
-              <a:t> </a:t>
-            </a:r>
-            <a:r>
-              <a:rPr lang="es-ES_tradnl" sz="2000" dirty="0"/>
+              <a:rPr lang="es-ES_tradnl" sz="2400" b="1" dirty="0" smtClean="0"/>
+              <a:t> </a:t>
+            </a:r>
+            <a:r>
+              <a:rPr lang="es-ES_tradnl" sz="2400" dirty="0"/>
               <a:t>debe dar error</a:t>
             </a:r>
           </a:p>
@@ -17484,9 +17466,6 @@
               </a:rPr>
               <a:t> en C#</a:t>
             </a:r>
-            <a:endParaRPr lang="es-ES_tradnl" sz="2800" dirty="0">
-              <a:latin typeface="Arial Narrow" panose="020B0606020202030204" pitchFamily="34" charset="0"/>
-            </a:endParaRPr>
           </a:p>
         </p:txBody>
       </p:sp>
@@ -17888,13 +17867,13 @@
         </p:nvSpPr>
         <p:spPr bwMode="auto">
           <a:xfrm>
-            <a:off x="3429000" y="3048000"/>
-            <a:ext cx="3352800" cy="838200"/>
+            <a:off x="3428999" y="3048000"/>
+            <a:ext cx="4354551" cy="838200"/>
           </a:xfrm>
           <a:prstGeom prst="wedgeRectCallout">
             <a:avLst>
-              <a:gd name="adj1" fmla="val -112593"/>
-              <a:gd name="adj2" fmla="val 70074"/>
+              <a:gd name="adj1" fmla="val -93643"/>
+              <a:gd name="adj2" fmla="val 82047"/>
             </a:avLst>
           </a:prstGeom>
           <a:solidFill>
@@ -17920,7 +17899,7 @@
               <a:defRPr/>
             </a:pPr>
             <a:r>
-              <a:rPr lang="en-US" sz="2000" b="1" i="0" dirty="0">
+              <a:rPr lang="en-US" sz="2400" b="1" i="0" dirty="0">
                 <a:solidFill>
                   <a:schemeClr val="bg2"/>
                 </a:solidFill>
@@ -17929,7 +17908,7 @@
               <a:t>El </a:t>
             </a:r>
             <a:r>
-              <a:rPr lang="en-US" sz="2000" b="1" i="0" dirty="0" err="1">
+              <a:rPr lang="en-US" sz="2400" b="1" i="0" dirty="0" err="1">
                 <a:solidFill>
                   <a:schemeClr val="bg2"/>
                 </a:solidFill>
@@ -17938,7 +17917,7 @@
               <a:t>que</a:t>
             </a:r>
             <a:r>
-              <a:rPr lang="en-US" sz="2000" b="1" i="0" dirty="0">
+              <a:rPr lang="en-US" sz="2400" b="1" i="0" dirty="0">
                 <a:solidFill>
                   <a:schemeClr val="bg2"/>
                 </a:solidFill>
@@ -17947,7 +17926,7 @@
               <a:t> llama </a:t>
             </a:r>
             <a:r>
-              <a:rPr lang="en-US" sz="2000" b="1" i="0" dirty="0" err="1">
+              <a:rPr lang="en-US" sz="2400" b="1" i="0" dirty="0" err="1">
                 <a:solidFill>
                   <a:schemeClr val="bg2"/>
                 </a:solidFill>
@@ -17956,7 +17935,7 @@
               <a:t>tiene</a:t>
             </a:r>
             <a:r>
-              <a:rPr lang="en-US" sz="2000" b="1" i="0" dirty="0">
+              <a:rPr lang="en-US" sz="2400" b="1" i="0" dirty="0">
                 <a:solidFill>
                   <a:schemeClr val="bg2"/>
                 </a:solidFill>
@@ -17965,7 +17944,7 @@
               <a:t> </a:t>
             </a:r>
             <a:r>
-              <a:rPr lang="en-US" sz="2000" b="1" i="0" dirty="0" err="1">
+              <a:rPr lang="en-US" sz="2400" b="1" i="0" dirty="0" err="1">
                 <a:solidFill>
                   <a:schemeClr val="bg2"/>
                 </a:solidFill>
@@ -17974,7 +17953,7 @@
               <a:t>que</a:t>
             </a:r>
             <a:r>
-              <a:rPr lang="en-US" sz="2000" b="1" i="0" dirty="0">
+              <a:rPr lang="en-US" sz="2400" b="1" i="0" dirty="0">
                 <a:solidFill>
                   <a:schemeClr val="bg2"/>
                 </a:solidFill>
@@ -17983,7 +17962,7 @@
               <a:t> </a:t>
             </a:r>
             <a:r>
-              <a:rPr lang="en-US" sz="2000" b="1" i="0" dirty="0" err="1">
+              <a:rPr lang="en-US" sz="2400" b="1" i="0" dirty="0" err="1">
                 <a:solidFill>
                   <a:schemeClr val="bg2"/>
                 </a:solidFill>
@@ -17992,7 +17971,7 @@
               <a:t>estar</a:t>
             </a:r>
             <a:r>
-              <a:rPr lang="en-US" sz="2000" b="1" i="0" dirty="0">
+              <a:rPr lang="en-US" sz="2400" b="1" i="0" dirty="0">
                 <a:solidFill>
                   <a:schemeClr val="bg2"/>
                 </a:solidFill>
@@ -18001,7 +17980,7 @@
               <a:t> </a:t>
             </a:r>
             <a:r>
-              <a:rPr lang="en-US" sz="2000" b="1" i="0" dirty="0" err="1" smtClean="0">
+              <a:rPr lang="en-US" sz="2400" b="1" i="0" dirty="0" err="1" smtClean="0">
                 <a:solidFill>
                   <a:schemeClr val="bg2"/>
                 </a:solidFill>
@@ -18010,7 +17989,7 @@
               <a:t>claro</a:t>
             </a:r>
             <a:r>
-              <a:rPr lang="en-US" sz="2000" b="1" i="0" dirty="0" smtClean="0">
+              <a:rPr lang="en-US" sz="2400" b="1" i="0" dirty="0" smtClean="0">
                 <a:solidFill>
                   <a:schemeClr val="bg2"/>
                 </a:solidFill>
@@ -18019,7 +17998,7 @@
               <a:t> </a:t>
             </a:r>
             <a:r>
-              <a:rPr lang="en-US" sz="2000" b="1" i="0" dirty="0">
+              <a:rPr lang="en-US" sz="2400" b="1" i="0" dirty="0">
                 <a:solidFill>
                   <a:schemeClr val="bg2"/>
                 </a:solidFill>
@@ -18028,7 +18007,7 @@
               <a:t>de lo </a:t>
             </a:r>
             <a:r>
-              <a:rPr lang="en-US" sz="2000" b="1" i="0" dirty="0" err="1">
+              <a:rPr lang="en-US" sz="2400" b="1" i="0" dirty="0" err="1">
                 <a:solidFill>
                   <a:schemeClr val="bg2"/>
                 </a:solidFill>
@@ -18037,7 +18016,7 @@
               <a:t>que</a:t>
             </a:r>
             <a:r>
-              <a:rPr lang="en-US" sz="2000" b="1" i="0" dirty="0">
+              <a:rPr lang="en-US" sz="2400" b="1" i="0" dirty="0">
                 <a:solidFill>
                   <a:schemeClr val="bg2"/>
                 </a:solidFill>
@@ -18046,7 +18025,7 @@
               <a:t> </a:t>
             </a:r>
             <a:r>
-              <a:rPr lang="en-US" sz="2000" b="1" i="0" dirty="0" err="1">
+              <a:rPr lang="en-US" sz="2400" b="1" i="0" dirty="0" err="1">
                 <a:solidFill>
                   <a:schemeClr val="bg2"/>
                 </a:solidFill>
@@ -18054,7 +18033,7 @@
               </a:rPr>
               <a:t>quiere</a:t>
             </a:r>
-            <a:endParaRPr lang="es-ES" sz="2000" b="1" i="0" dirty="0">
+            <a:endParaRPr lang="es-ES" sz="2400" b="1" i="0" dirty="0">
               <a:solidFill>
                 <a:schemeClr val="bg2"/>
               </a:solidFill>
@@ -18074,12 +18053,12 @@
         <p:spPr bwMode="auto">
           <a:xfrm>
             <a:off x="4953000" y="4114800"/>
-            <a:ext cx="2057400" cy="762000"/>
+            <a:ext cx="2929358" cy="762000"/>
           </a:xfrm>
           <a:prstGeom prst="wedgeRectCallout">
             <a:avLst>
-              <a:gd name="adj1" fmla="val -206713"/>
-              <a:gd name="adj2" fmla="val -10000"/>
+              <a:gd name="adj1" fmla="val -157226"/>
+              <a:gd name="adj2" fmla="val 7561"/>
             </a:avLst>
           </a:prstGeom>
           <a:solidFill>
@@ -18105,15 +18084,60 @@
               <a:defRPr/>
             </a:pPr>
             <a:r>
-              <a:rPr lang="en-US" sz="2000" b="1" i="0">
+              <a:rPr lang="en-US" sz="2400" b="1" i="0" dirty="0">
                 <a:solidFill>
                   <a:schemeClr val="bg2"/>
                 </a:solidFill>
                 <a:latin typeface="Arial Narrow" pitchFamily="34" charset="0"/>
               </a:rPr>
-              <a:t>k NO tiene que estar inicializado</a:t>
-            </a:r>
-            <a:endParaRPr lang="es-ES" sz="2000" b="1" i="0">
+              <a:t>k NO </a:t>
+            </a:r>
+            <a:r>
+              <a:rPr lang="en-US" sz="2400" b="1" i="0" dirty="0" err="1">
+                <a:solidFill>
+                  <a:schemeClr val="bg2"/>
+                </a:solidFill>
+                <a:latin typeface="Arial Narrow" pitchFamily="34" charset="0"/>
+              </a:rPr>
+              <a:t>tiene</a:t>
+            </a:r>
+            <a:r>
+              <a:rPr lang="en-US" sz="2400" b="1" i="0" dirty="0">
+                <a:solidFill>
+                  <a:schemeClr val="bg2"/>
+                </a:solidFill>
+                <a:latin typeface="Arial Narrow" pitchFamily="34" charset="0"/>
+              </a:rPr>
+              <a:t> que </a:t>
+            </a:r>
+            <a:r>
+              <a:rPr lang="en-US" sz="2400" b="1" i="0" dirty="0" err="1">
+                <a:solidFill>
+                  <a:schemeClr val="bg2"/>
+                </a:solidFill>
+                <a:latin typeface="Arial Narrow" pitchFamily="34" charset="0"/>
+              </a:rPr>
+              <a:t>estar</a:t>
+            </a:r>
+            <a:r>
+              <a:rPr lang="en-US" sz="2400" b="1" i="0" dirty="0">
+                <a:solidFill>
+                  <a:schemeClr val="bg2"/>
+                </a:solidFill>
+                <a:latin typeface="Arial Narrow" pitchFamily="34" charset="0"/>
+              </a:rPr>
+              <a:t> </a:t>
+            </a:r>
+            <a:r>
+              <a:rPr lang="en-US" sz="2400" b="1" i="0" dirty="0" err="1">
+                <a:solidFill>
+                  <a:schemeClr val="bg2"/>
+                </a:solidFill>
+                <a:latin typeface="Arial Narrow" pitchFamily="34" charset="0"/>
+              </a:rPr>
+              <a:t>inicializado</a:t>
+            </a:r>
+            <a:endParaRPr lang="es-ES" sz="2400" b="1" i="0" dirty="0">
               <a:solidFill>
                 <a:schemeClr val="bg2"/>
               </a:solidFill>
@@ -18132,13 +18156,13 @@
         </p:nvSpPr>
         <p:spPr bwMode="auto">
           <a:xfrm>
-            <a:off x="4343400" y="1905000"/>
-            <a:ext cx="4495800" cy="762000"/>
+            <a:off x="4343399" y="1905000"/>
+            <a:ext cx="5324707" cy="900112"/>
           </a:xfrm>
           <a:prstGeom prst="wedgeRectCallout">
             <a:avLst>
-              <a:gd name="adj1" fmla="val -115324"/>
-              <a:gd name="adj2" fmla="val 32083"/>
+              <a:gd name="adj1" fmla="val -100874"/>
+              <a:gd name="adj2" fmla="val 27128"/>
             </a:avLst>
           </a:prstGeom>
           <a:solidFill>
@@ -18164,7 +18188,7 @@
               <a:defRPr/>
             </a:pPr>
             <a:r>
-              <a:rPr lang="en-US" sz="2000" b="1" i="0" dirty="0" err="1">
+              <a:rPr lang="en-US" sz="2400" b="1" i="0" dirty="0" err="1">
                 <a:solidFill>
                   <a:schemeClr val="bg2"/>
                 </a:solidFill>
@@ -18173,7 +18197,7 @@
               <a:t>Todos</a:t>
             </a:r>
             <a:r>
-              <a:rPr lang="en-US" sz="2000" b="1" i="0" dirty="0">
+              <a:rPr lang="en-US" sz="2400" b="1" i="0" dirty="0">
                 <a:solidFill>
                   <a:schemeClr val="bg2"/>
                 </a:solidFill>
@@ -18182,7 +18206,7 @@
               <a:t> </a:t>
             </a:r>
             <a:r>
-              <a:rPr lang="en-US" sz="2000" b="1" i="0" dirty="0" err="1">
+              <a:rPr lang="en-US" sz="2400" b="1" i="0" dirty="0" err="1">
                 <a:solidFill>
                   <a:schemeClr val="bg2"/>
                 </a:solidFill>
@@ -18191,7 +18215,7 @@
               <a:t>los</a:t>
             </a:r>
             <a:r>
-              <a:rPr lang="en-US" sz="2000" b="1" i="0" dirty="0">
+              <a:rPr lang="en-US" sz="2400" b="1" i="0" dirty="0">
                 <a:solidFill>
                   <a:schemeClr val="bg2"/>
                 </a:solidFill>
@@ -18200,7 +18224,7 @@
               <a:t> </a:t>
             </a:r>
             <a:r>
-              <a:rPr lang="en-US" sz="2000" b="1" i="0" dirty="0" err="1">
+              <a:rPr lang="en-US" sz="2400" b="1" i="0" dirty="0" err="1">
                 <a:solidFill>
                   <a:schemeClr val="bg2"/>
                 </a:solidFill>
@@ -18209,7 +18233,7 @@
               <a:t>caminos</a:t>
             </a:r>
             <a:r>
-              <a:rPr lang="en-US" sz="2000" b="1" i="0" dirty="0">
+              <a:rPr lang="en-US" sz="2400" b="1" i="0" dirty="0">
                 <a:solidFill>
                   <a:schemeClr val="bg2"/>
                 </a:solidFill>
@@ -18218,7 +18242,7 @@
               <a:t> de </a:t>
             </a:r>
             <a:r>
-              <a:rPr lang="en-US" sz="2000" b="1" i="0" dirty="0" err="1">
+              <a:rPr lang="en-US" sz="2400" b="1" i="0" dirty="0" err="1">
                 <a:solidFill>
                   <a:schemeClr val="bg2"/>
                 </a:solidFill>
@@ -18227,7 +18251,7 @@
               <a:t>retorno</a:t>
             </a:r>
             <a:r>
-              <a:rPr lang="en-US" sz="2000" b="1" i="0" dirty="0">
+              <a:rPr lang="en-US" sz="2400" b="1" i="0" dirty="0">
                 <a:solidFill>
                   <a:schemeClr val="bg2"/>
                 </a:solidFill>
@@ -18236,7 +18260,7 @@
               <a:t> </a:t>
             </a:r>
             <a:r>
-              <a:rPr lang="en-US" sz="2000" b="1" i="0" dirty="0" err="1">
+              <a:rPr lang="en-US" sz="2400" b="1" i="0" dirty="0" err="1">
                 <a:solidFill>
                   <a:schemeClr val="bg2"/>
                 </a:solidFill>
@@ -18245,7 +18269,7 @@
               <a:t>deben</a:t>
             </a:r>
             <a:r>
-              <a:rPr lang="en-US" sz="2000" b="1" i="0" dirty="0">
+              <a:rPr lang="en-US" sz="2400" b="1" i="0" dirty="0">
                 <a:solidFill>
                   <a:schemeClr val="bg2"/>
                 </a:solidFill>
@@ -18254,7 +18278,7 @@
               <a:t> </a:t>
             </a:r>
             <a:r>
-              <a:rPr lang="en-US" sz="2000" b="1" i="0" dirty="0" err="1">
+              <a:rPr lang="en-US" sz="2400" b="1" i="0" dirty="0" err="1">
                 <a:solidFill>
                   <a:schemeClr val="bg2"/>
                 </a:solidFill>
@@ -18263,7 +18287,7 @@
               <a:t>garantizar</a:t>
             </a:r>
             <a:r>
-              <a:rPr lang="en-US" sz="2000" b="1" i="0" dirty="0">
+              <a:rPr lang="en-US" sz="2400" b="1" i="0" dirty="0">
                 <a:solidFill>
                   <a:schemeClr val="bg2"/>
                 </a:solidFill>
@@ -18272,7 +18296,7 @@
               <a:t> </a:t>
             </a:r>
             <a:r>
-              <a:rPr lang="en-US" sz="2000" b="1" i="0" dirty="0" err="1">
+              <a:rPr lang="en-US" sz="2400" b="1" i="0" dirty="0" err="1">
                 <a:solidFill>
                   <a:schemeClr val="bg2"/>
                 </a:solidFill>
@@ -18281,7 +18305,7 @@
               <a:t>asignar</a:t>
             </a:r>
             <a:r>
-              <a:rPr lang="en-US" sz="2000" b="1" i="0" dirty="0">
+              <a:rPr lang="en-US" sz="2400" b="1" i="0" dirty="0">
                 <a:solidFill>
                   <a:schemeClr val="bg2"/>
                 </a:solidFill>
@@ -18289,7 +18313,7 @@
               </a:rPr>
               <a:t> un valor a j</a:t>
             </a:r>
-            <a:endParaRPr lang="es-ES" sz="2000" b="1" i="0" dirty="0">
+            <a:endParaRPr lang="es-ES" sz="2400" b="1" i="0" dirty="0">
               <a:solidFill>
                 <a:schemeClr val="bg2"/>
               </a:solidFill>
@@ -18589,11 +18613,7 @@
             </a:r>
             <a:r>
               <a:rPr lang="es-ES_tradnl" sz="2400" dirty="0" smtClean="0"/>
-              <a:t>El parámetro real y el parámetro formal están compartiendo la misma </a:t>
-            </a:r>
-            <a:r>
-              <a:rPr lang="es-ES_tradnl" sz="2400" dirty="0" smtClean="0"/>
-              <a:t>memoria</a:t>
+              <a:t>El parámetro real y el parámetro formal están compartiendo la misma memoria</a:t>
             </a:r>
           </a:p>
           <a:p>
@@ -18604,63 +18624,51 @@
             <a:pPr lvl="1"/>
             <a:r>
               <a:rPr lang="es-ES_tradnl" sz="2400" dirty="0"/>
-              <a:t>Es la forma de traspaso en FORTRAN</a:t>
+              <a:t>Es la forma de traspaso en FORTRAN, en C</a:t>
+            </a:r>
+            <a:r>
+              <a:rPr lang="en-US" sz="2400" dirty="0"/>
+              <a:t>++ </a:t>
+            </a:r>
+            <a:r>
+              <a:rPr lang="en-US" sz="2400" dirty="0" err="1"/>
+              <a:t>cuando</a:t>
+            </a:r>
+            <a:r>
+              <a:rPr lang="en-US" sz="2400" dirty="0"/>
+              <a:t> se </a:t>
+            </a:r>
+            <a:r>
+              <a:rPr lang="en-US" sz="2400" dirty="0" err="1"/>
+              <a:t>especifica</a:t>
+            </a:r>
+            <a:r>
+              <a:rPr lang="en-US" sz="2400" dirty="0"/>
+              <a:t> con </a:t>
+            </a:r>
+            <a:r>
+              <a:rPr lang="en-US" sz="2400" b="1" dirty="0">
+                <a:solidFill>
+                  <a:srgbClr val="C00000"/>
+                </a:solidFill>
+              </a:rPr>
+              <a:t>&amp;</a:t>
             </a:r>
             <a:r>
               <a:rPr lang="es-ES_tradnl" sz="2400" dirty="0"/>
               <a:t>, </a:t>
             </a:r>
             <a:r>
+              <a:rPr lang="es-ES_tradnl" sz="2400" b="1" dirty="0" err="1">
+                <a:solidFill>
+                  <a:srgbClr val="C00000"/>
+                </a:solidFill>
+              </a:rPr>
+              <a:t>var</a:t>
+            </a:r>
+            <a:r>
               <a:rPr lang="es-ES_tradnl" sz="2400" dirty="0"/>
-              <a:t>en C</a:t>
-            </a:r>
-            <a:r>
-              <a:rPr lang="en-US" sz="2400" dirty="0"/>
-              <a:t>++ </a:t>
-            </a:r>
-            <a:r>
-              <a:rPr lang="en-US" sz="2400" dirty="0" err="1"/>
-              <a:t>cuando</a:t>
-            </a:r>
-            <a:r>
-              <a:rPr lang="en-US" sz="2400" dirty="0"/>
-              <a:t> se </a:t>
-            </a:r>
-            <a:r>
-              <a:rPr lang="en-US" sz="2400" dirty="0" err="1"/>
-              <a:t>especifica</a:t>
-            </a:r>
-            <a:r>
-              <a:rPr lang="en-US" sz="2400" dirty="0"/>
-              <a:t> con </a:t>
-            </a:r>
-            <a:r>
-              <a:rPr lang="en-US" sz="2400" b="1" dirty="0">
-                <a:solidFill>
-                  <a:srgbClr val="C00000"/>
-                </a:solidFill>
-              </a:rPr>
-              <a:t>&amp;</a:t>
-            </a:r>
-            <a:r>
-              <a:rPr lang="es-ES_tradnl" sz="2400" dirty="0"/>
-              <a:t>, </a:t>
-            </a:r>
-            <a:r>
-              <a:rPr lang="es-ES_tradnl" sz="2400" b="1" dirty="0" err="1">
-                <a:solidFill>
-                  <a:srgbClr val="C00000"/>
-                </a:solidFill>
-              </a:rPr>
-              <a:t>var</a:t>
-            </a:r>
-            <a:r>
-              <a:rPr lang="es-ES_tradnl" sz="2400" dirty="0"/>
-              <a:t> en Pascal, </a:t>
-            </a:r>
-            <a:r>
-              <a:rPr lang="es-ES_tradnl" sz="2400" dirty="0"/>
-              <a:t>y </a:t>
+              <a:t> en Pascal, y </a:t>
             </a:r>
             <a:r>
               <a:rPr lang="es-ES_tradnl" sz="2400" b="1" dirty="0" err="1" smtClean="0">
@@ -18678,7 +18686,6 @@
               <a:rPr lang="es-ES_tradnl" sz="2400" dirty="0"/>
               <a:t>en C#) </a:t>
             </a:r>
-            <a:endParaRPr lang="es-ES_tradnl" sz="2400" dirty="0"/>
           </a:p>
         </p:txBody>
       </p:sp>
@@ -19015,8 +19022,8 @@
         </p:nvSpPr>
         <p:spPr bwMode="auto">
           <a:xfrm>
-            <a:off x="674225" y="1536290"/>
-            <a:ext cx="9978390" cy="2739211"/>
+            <a:off x="1209484" y="1339131"/>
+            <a:ext cx="9978390" cy="3847207"/>
           </a:xfrm>
           <a:prstGeom prst="rect">
             <a:avLst/>
@@ -19068,21 +19075,8 @@
                   <a:srgbClr val="C00000"/>
                 </a:solidFill>
               </a:rPr>
-              <a:t> (</a:t>
-            </a:r>
-            <a:r>
-              <a:rPr lang="es-ES_tradnl" sz="2800" b="1" dirty="0" smtClean="0">
-                <a:solidFill>
-                  <a:srgbClr val="C00000"/>
-                </a:solidFill>
-              </a:rPr>
-              <a:t>perezosa, retardada)</a:t>
-            </a:r>
-            <a:endParaRPr lang="es-ES_tradnl" sz="2800" b="1" dirty="0" smtClean="0">
-              <a:solidFill>
-                <a:srgbClr val="C00000"/>
-              </a:solidFill>
-            </a:endParaRPr>
+              <a:t> (perezosa, retardada)</a:t>
+            </a:r>
           </a:p>
           <a:p>
             <a:pPr lvl="2">
@@ -19112,24 +19106,41 @@
             </a:r>
             <a:r>
               <a:rPr lang="es-ES_tradnl" sz="2400" dirty="0"/>
-              <a:t> funcionales cuando se pasa una expresión lambda (como C#) la expresión solo es evaluada cuando se necesita usar el valor del parámetro real dentro del código del método y no en el momento de la </a:t>
+              <a:t> funcionales cuando se pasa una expresión lambda (como </a:t>
             </a:r>
             <a:r>
               <a:rPr lang="es-ES_tradnl" sz="2400" dirty="0" smtClean="0"/>
-              <a:t>llamada</a:t>
-            </a:r>
-            <a:endParaRPr lang="es-ES_tradnl" sz="2800" dirty="0">
-              <a:solidFill>
-                <a:srgbClr val="FFFF00"/>
-              </a:solidFill>
-              <a:effectLst>
-                <a:outerShdw blurRad="38100" dist="38100" dir="2700000" algn="tl">
-                  <a:srgbClr val="000000">
-                    <a:alpha val="43137"/>
-                  </a:srgbClr>
-                </a:outerShdw>
-              </a:effectLst>
-            </a:endParaRPr>
+              <a:t>en el caso de C</a:t>
+            </a:r>
+            <a:r>
+              <a:rPr lang="es-ES_tradnl" sz="2400" dirty="0"/>
+              <a:t>#) la expresión solo es evaluada cuando se necesita usar el valor del parámetro real dentro del código del método y no en el momento de la </a:t>
+            </a:r>
+            <a:r>
+              <a:rPr lang="es-ES_tradnl" sz="2400" dirty="0" smtClean="0"/>
+              <a:t>llamada.</a:t>
+            </a:r>
+          </a:p>
+          <a:p>
+            <a:pPr lvl="2">
+              <a:defRPr/>
+            </a:pPr>
+            <a:r>
+              <a:rPr lang="es-ES_tradnl" sz="2400" dirty="0" err="1" smtClean="0"/>
+              <a:t>Util</a:t>
+            </a:r>
+            <a:r>
+              <a:rPr lang="es-ES_tradnl" sz="2400" dirty="0" smtClean="0"/>
+              <a:t> en el caso por ejemplo en el caso de que lo que se pase sea un </a:t>
+            </a:r>
+            <a:r>
+              <a:rPr lang="es-ES_tradnl" sz="2400" dirty="0" err="1" smtClean="0"/>
+              <a:t>iterador</a:t>
+            </a:r>
+            <a:r>
+              <a:rPr lang="es-ES_tradnl" sz="2400" dirty="0" smtClean="0"/>
+              <a:t>.</a:t>
+            </a:r>
           </a:p>
         </p:txBody>
       </p:sp>
@@ -29063,7 +29074,15 @@
                   <a:schemeClr val="tx1"/>
                 </a:solidFill>
               </a:rPr>
-              <a:t> </a:t>
+              <a:t> original? ¿Con </a:t>
+            </a:r>
+            <a:r>
+              <a:rPr lang="en-US" sz="2400" dirty="0" err="1" smtClean="0">
+                <a:solidFill>
+                  <a:schemeClr val="tx1"/>
+                </a:solidFill>
+              </a:rPr>
+              <a:t>cuánto</a:t>
             </a:r>
             <a:r>
               <a:rPr lang="en-US" sz="2400" dirty="0" smtClean="0">
@@ -29071,7 +29090,7 @@
                   <a:schemeClr val="tx1"/>
                 </a:solidFill>
               </a:rPr>
-              <a:t>original? ¿Con </a:t>
+              <a:t> </a:t>
             </a:r>
             <a:r>
               <a:rPr lang="en-US" sz="2400" dirty="0" err="1" smtClean="0">
@@ -29079,7 +29098,7 @@
                   <a:schemeClr val="tx1"/>
                 </a:solidFill>
               </a:rPr>
-              <a:t>cuánto</a:t>
+              <a:t>nivel</a:t>
             </a:r>
             <a:r>
               <a:rPr lang="en-US" sz="2400" dirty="0" smtClean="0">
@@ -29087,7 +29106,7 @@
                   <a:schemeClr val="tx1"/>
                 </a:solidFill>
               </a:rPr>
-              <a:t> </a:t>
+              <a:t> de </a:t>
             </a:r>
             <a:r>
               <a:rPr lang="en-US" sz="2400" dirty="0" err="1" smtClean="0">
@@ -29095,7 +29114,7 @@
                   <a:schemeClr val="tx1"/>
                 </a:solidFill>
               </a:rPr>
-              <a:t>nivel</a:t>
+              <a:t>profundidad</a:t>
             </a:r>
             <a:r>
               <a:rPr lang="en-US" sz="2400" dirty="0" smtClean="0">
@@ -29103,29 +29122,8 @@
                   <a:schemeClr val="tx1"/>
                 </a:solidFill>
               </a:rPr>
-              <a:t> de </a:t>
-            </a:r>
-            <a:r>
-              <a:rPr lang="en-US" sz="2400" dirty="0" err="1" smtClean="0">
-                <a:solidFill>
-                  <a:schemeClr val="tx1"/>
-                </a:solidFill>
-              </a:rPr>
-              <a:t>profundidad</a:t>
-            </a:r>
-            <a:r>
-              <a:rPr lang="en-US" sz="2400" dirty="0" smtClean="0">
-                <a:solidFill>
-                  <a:schemeClr val="tx1"/>
-                </a:solidFill>
-              </a:rPr>
               <a:t>? </a:t>
             </a:r>
-            <a:endParaRPr lang="en-US" sz="2400" dirty="0" smtClean="0">
-              <a:solidFill>
-                <a:schemeClr val="tx1"/>
-              </a:solidFill>
-            </a:endParaRPr>
           </a:p>
         </p:txBody>
       </p:sp>
@@ -29677,8 +29675,8 @@
         </p:nvSpPr>
         <p:spPr>
           <a:xfrm>
-            <a:off x="503209" y="916898"/>
-            <a:ext cx="9079230" cy="535531"/>
+            <a:off x="1215341" y="778399"/>
+            <a:ext cx="9147859" cy="535531"/>
           </a:xfrm>
           <a:prstGeom prst="rect">
             <a:avLst/>
@@ -29779,8 +29777,8 @@
         </p:nvSpPr>
         <p:spPr>
           <a:xfrm>
-            <a:off x="1215342" y="1740677"/>
-            <a:ext cx="8137003" cy="4462760"/>
+            <a:off x="1215343" y="1833011"/>
+            <a:ext cx="9147858" cy="4278094"/>
           </a:xfrm>
           <a:prstGeom prst="rect">
             <a:avLst/>
@@ -30027,17 +30025,10 @@
               <a:t> de las variables components de </a:t>
             </a:r>
             <a:r>
-              <a:rPr lang="en-US" b="1" dirty="0">
-                <a:solidFill>
-                  <a:srgbClr val="FFFF00"/>
-                </a:solidFill>
-                <a:effectLst>
-                  <a:outerShdw blurRad="38100" dist="38100" dir="2700000" algn="tl">
-                    <a:srgbClr val="000000">
-                      <a:alpha val="43137"/>
-                    </a:srgbClr>
-                  </a:outerShdw>
-                </a:effectLst>
+              <a:rPr lang="en-US" sz="2800" b="1" dirty="0">
+                <a:solidFill>
+                  <a:srgbClr val="C00000"/>
+                </a:solidFill>
                 <a:latin typeface="Consolas" panose="020B0609020204030204" pitchFamily="49" charset="0"/>
               </a:rPr>
               <a:t>x</a:t>
@@ -30115,17 +30106,10 @@
               <a:t> de las variables de </a:t>
             </a:r>
             <a:r>
-              <a:rPr lang="en-US" b="1" dirty="0" smtClean="0">
-                <a:solidFill>
-                  <a:srgbClr val="FFFF00"/>
-                </a:solidFill>
-                <a:effectLst>
-                  <a:outerShdw blurRad="38100" dist="38100" dir="2700000" algn="tl">
-                    <a:srgbClr val="000000">
-                      <a:alpha val="43137"/>
-                    </a:srgbClr>
-                  </a:outerShdw>
-                </a:effectLst>
+              <a:rPr lang="en-US" sz="2800" b="1" dirty="0">
+                <a:solidFill>
+                  <a:srgbClr val="C00000"/>
+                </a:solidFill>
                 <a:latin typeface="Consolas" panose="020B0609020204030204" pitchFamily="49" charset="0"/>
               </a:rPr>
               <a:t>b</a:t>
@@ -30227,8 +30211,11 @@
               <a:t> </a:t>
             </a:r>
             <a:r>
-              <a:rPr lang="en-US" dirty="0" err="1">
-                <a:latin typeface="+mn-lt"/>
+              <a:rPr lang="en-US" sz="2800" b="1" dirty="0" err="1">
+                <a:solidFill>
+                  <a:srgbClr val="C00000"/>
+                </a:solidFill>
+                <a:latin typeface="Consolas" panose="020B0609020204030204" pitchFamily="49" charset="0"/>
               </a:rPr>
               <a:t>struct</a:t>
             </a:r>
@@ -30838,8 +30825,8 @@
         </p:nvSpPr>
         <p:spPr>
           <a:xfrm>
-            <a:off x="5032338" y="4620229"/>
-            <a:ext cx="6334887" cy="757130"/>
+            <a:off x="5032338" y="4592529"/>
+            <a:ext cx="6334887" cy="812530"/>
           </a:xfrm>
           <a:prstGeom prst="rect">
             <a:avLst/>
@@ -30893,17 +30880,10 @@
               <a:t> </a:t>
             </a:r>
             <a:r>
-              <a:rPr lang="en-US" sz="2000" b="1" dirty="0">
-                <a:solidFill>
-                  <a:srgbClr val="FFFF00"/>
-                </a:solidFill>
-                <a:effectLst>
-                  <a:outerShdw blurRad="38100" dist="38100" dir="2700000" algn="tl">
-                    <a:srgbClr val="000000">
-                      <a:alpha val="43137"/>
-                    </a:srgbClr>
-                  </a:outerShdw>
-                </a:effectLst>
+              <a:rPr lang="en-US" sz="2400" b="1" dirty="0">
+                <a:solidFill>
+                  <a:srgbClr val="C00000"/>
+                </a:solidFill>
                 <a:latin typeface="Consolas" panose="020B0609020204030204" pitchFamily="49" charset="0"/>
               </a:rPr>
               <a:t>Equals</a:t>
@@ -30929,32 +30909,18 @@
               <a:t> </a:t>
             </a:r>
             <a:r>
-              <a:rPr lang="en-US" sz="2000" b="1" dirty="0" err="1">
-                <a:solidFill>
-                  <a:srgbClr val="FFFF00"/>
-                </a:solidFill>
-                <a:effectLst>
-                  <a:outerShdw blurRad="38100" dist="38100" dir="2700000" algn="tl">
-                    <a:srgbClr val="000000">
-                      <a:alpha val="43137"/>
-                    </a:srgbClr>
-                  </a:outerShdw>
-                </a:effectLst>
+              <a:rPr lang="en-US" sz="2400" b="1" dirty="0" err="1">
+                <a:solidFill>
+                  <a:srgbClr val="C00000"/>
+                </a:solidFill>
                 <a:latin typeface="Consolas" panose="020B0609020204030204" pitchFamily="49" charset="0"/>
               </a:rPr>
               <a:t>ICloneable</a:t>
             </a:r>
-            <a:endParaRPr lang="en-US" sz="2000" b="1" dirty="0">
+            <a:endParaRPr lang="en-US" sz="2400" b="1" dirty="0">
               <a:solidFill>
-                <a:srgbClr val="FFFF00"/>
+                <a:srgbClr val="C00000"/>
               </a:solidFill>
-              <a:effectLst>
-                <a:outerShdw blurRad="38100" dist="38100" dir="2700000" algn="tl">
-                  <a:srgbClr val="000000">
-                    <a:alpha val="43137"/>
-                  </a:srgbClr>
-                </a:outerShdw>
-              </a:effectLst>
               <a:latin typeface="Consolas" panose="020B0609020204030204" pitchFamily="49" charset="0"/>
             </a:endParaRPr>
           </a:p>
@@ -31033,41 +30999,29 @@
               <a:t> interface </a:t>
             </a:r>
             <a:r>
-              <a:rPr lang="en-US" sz="2000" b="1" dirty="0" err="1">
-                <a:solidFill>
-                  <a:srgbClr val="FFFF00"/>
-                </a:solidFill>
-                <a:effectLst>
-                  <a:outerShdw blurRad="38100" dist="38100" dir="2700000" algn="tl">
-                    <a:srgbClr val="000000">
-                      <a:alpha val="43137"/>
-                    </a:srgbClr>
-                  </a:outerShdw>
-                </a:effectLst>
+              <a:rPr lang="en-US" sz="2400" b="1" dirty="0" err="1" smtClean="0">
+                <a:solidFill>
+                  <a:srgbClr val="C00000"/>
+                </a:solidFill>
                 <a:latin typeface="Consolas" panose="020B0609020204030204" pitchFamily="49" charset="0"/>
               </a:rPr>
               <a:t>ICloneable</a:t>
             </a:r>
             <a:r>
-              <a:rPr lang="en-US" sz="2000" b="1" dirty="0">
-                <a:solidFill>
-                  <a:srgbClr val="FFFF00"/>
-                </a:solidFill>
-                <a:effectLst>
-                  <a:outerShdw blurRad="38100" dist="38100" dir="2700000" algn="tl">
-                    <a:srgbClr val="000000">
-                      <a:alpha val="43137"/>
-                    </a:srgbClr>
-                  </a:outerShdw>
-                </a:effectLst>
+              <a:rPr lang="en-US" sz="2400" b="1" dirty="0" smtClean="0">
+                <a:solidFill>
+                  <a:srgbClr val="C00000"/>
+                </a:solidFill>
                 <a:latin typeface="Consolas" panose="020B0609020204030204" pitchFamily="49" charset="0"/>
               </a:rPr>
-              <a:t>&lt;T&gt;</a:t>
-            </a:r>
-            <a:r>
-              <a:rPr lang="en-US" sz="2400" dirty="0"/>
-              <a:t>?</a:t>
-            </a:r>
+              <a:t>&lt;T&gt;?</a:t>
+            </a:r>
+            <a:endParaRPr lang="en-US" sz="2400" b="1" dirty="0">
+              <a:solidFill>
+                <a:srgbClr val="C00000"/>
+              </a:solidFill>
+              <a:latin typeface="Consolas" panose="020B0609020204030204" pitchFamily="49" charset="0"/>
+            </a:endParaRPr>
           </a:p>
         </p:txBody>
       </p:sp>
@@ -31598,11 +31552,11 @@
   <p:clrMapOvr>
     <a:masterClrMapping/>
   </p:clrMapOvr>
-  <mc:AlternateContent xmlns:mc="http://schemas.openxmlformats.org/markup-compatibility/2006">
-    <mc:Choice xmlns:p14="http://schemas.microsoft.com/office/powerpoint/2010/main" Requires="p14">
+  <mc:AlternateContent xmlns:mc="http://schemas.openxmlformats.org/markup-compatibility/2006" xmlns:p14="http://schemas.microsoft.com/office/powerpoint/2010/main">
+    <mc:Choice Requires="p14">
       <p:transition spd="slow" p14:dur="2000"/>
     </mc:Choice>
-    <mc:Fallback>
+    <mc:Fallback xmlns="">
       <p:transition spd="slow"/>
     </mc:Fallback>
   </mc:AlternateContent>
@@ -32164,6 +32118,30 @@
           <a:chExt cx="0" cy="0"/>
         </a:xfrm>
       </p:grpSpPr>
+      <p:pic>
+        <p:nvPicPr>
+          <p:cNvPr id="5" name="Picture 4"/>
+          <p:cNvPicPr>
+            <a:picLocks noChangeAspect="1"/>
+          </p:cNvPicPr>
+          <p:nvPr/>
+        </p:nvPicPr>
+        <p:blipFill>
+          <a:blip r:embed="rId2"/>
+          <a:stretch>
+            <a:fillRect/>
+          </a:stretch>
+        </p:blipFill>
+        <p:spPr>
+          <a:xfrm>
+            <a:off x="618309" y="373815"/>
+            <a:ext cx="10583752" cy="5982535"/>
+          </a:xfrm>
+          <a:prstGeom prst="rect">
+            <a:avLst/>
+          </a:prstGeom>
+        </p:spPr>
+      </p:pic>
       <p:sp>
         <p:nvSpPr>
           <p:cNvPr id="4" name="Slide Number Placeholder 3"/>
@@ -32179,9 +32157,62 @@
           <a:bodyPr/>
           <a:lstStyle/>
           <a:p>
+            <a:fld id="{9B618960-8005-486C-9A75-10CB2AAC16F9}" type="slidenum">
+              <a:rPr lang="en-US" smtClean="0"/>
+              <a:t>24</a:t>
+            </a:fld>
+            <a:endParaRPr lang="en-US"/>
+          </a:p>
+        </p:txBody>
+      </p:sp>
+    </p:spTree>
+    <p:extLst>
+      <p:ext uri="{BB962C8B-B14F-4D97-AF65-F5344CB8AC3E}">
+        <p14:creationId xmlns:p14="http://schemas.microsoft.com/office/powerpoint/2010/main" val="2922793300"/>
+      </p:ext>
+    </p:extLst>
+  </p:cSld>
+  <p:clrMapOvr>
+    <a:masterClrMapping/>
+  </p:clrMapOvr>
+</p:sld>
+</file>
+
+<file path=ppt/slides/slide25.xml><?xml version="1.0" encoding="utf-8"?>
+<p:sld xmlns:a="http://schemas.openxmlformats.org/drawingml/2006/main" xmlns:r="http://schemas.openxmlformats.org/officeDocument/2006/relationships" xmlns:p="http://schemas.openxmlformats.org/presentationml/2006/main">
+  <p:cSld>
+    <p:spTree>
+      <p:nvGrpSpPr>
+        <p:cNvPr id="1" name=""/>
+        <p:cNvGrpSpPr/>
+        <p:nvPr/>
+      </p:nvGrpSpPr>
+      <p:grpSpPr>
+        <a:xfrm>
+          <a:off x="0" y="0"/>
+          <a:ext cx="0" cy="0"/>
+          <a:chOff x="0" y="0"/>
+          <a:chExt cx="0" cy="0"/>
+        </a:xfrm>
+      </p:grpSpPr>
+      <p:sp>
+        <p:nvSpPr>
+          <p:cNvPr id="4" name="Slide Number Placeholder 3"/>
+          <p:cNvSpPr>
+            <a:spLocks noGrp="1"/>
+          </p:cNvSpPr>
+          <p:nvPr>
+            <p:ph type="sldNum" sz="quarter" idx="12"/>
+          </p:nvPr>
+        </p:nvSpPr>
+        <p:spPr/>
+        <p:txBody>
+          <a:bodyPr/>
+          <a:lstStyle/>
+          <a:p>
             <a:fld id="{5ADDC752-80C7-41F7-AA05-3E1BE1029531}" type="slidenum">
               <a:rPr lang="en-US" smtClean="0"/>
-              <a:t>24</a:t>
+              <a:t>25</a:t>
             </a:fld>
             <a:endParaRPr lang="en-US"/>
           </a:p>
@@ -32326,16 +32357,7 @@
                 </a:solidFill>
                 <a:latin typeface="Arial Narrow" panose="020B0606020202030204" pitchFamily="34" charset="0"/>
               </a:rPr>
-              <a:t> </a:t>
-            </a:r>
-            <a:r>
-              <a:rPr lang="en-US" sz="3200" cap="small" dirty="0" smtClean="0">
-                <a:solidFill>
-                  <a:schemeClr val="bg1"/>
-                </a:solidFill>
-                <a:latin typeface="Arial Narrow" panose="020B0606020202030204" pitchFamily="34" charset="0"/>
-              </a:rPr>
-              <a:t>a las que se </a:t>
+              <a:t> a las que se </a:t>
             </a:r>
             <a:r>
               <a:rPr lang="en-US" sz="3200" cap="small" dirty="0" err="1" smtClean="0">
@@ -33235,11 +33257,6 @@
               </a:rPr>
               <a:t> de Python</a:t>
             </a:r>
-            <a:endParaRPr lang="en-US" dirty="0" smtClean="0">
-              <a:solidFill>
-                <a:schemeClr val="tx1"/>
-              </a:solidFill>
-            </a:endParaRPr>
           </a:p>
           <a:p>
             <a:r>
@@ -33376,15 +33393,7 @@
                   <a:schemeClr val="tx1"/>
                 </a:solidFill>
               </a:rPr>
-              <a:t> </a:t>
-            </a:r>
-            <a:r>
-              <a:rPr lang="en-US" dirty="0" smtClean="0">
-                <a:solidFill>
-                  <a:schemeClr val="tx1"/>
-                </a:solidFill>
-              </a:rPr>
-              <a:t>(</a:t>
+              <a:t> (</a:t>
             </a:r>
             <a:r>
               <a:rPr lang="en-US" dirty="0" err="1" smtClean="0">
@@ -33616,6 +33625,309 @@
                 </a:solidFill>
               </a:rPr>
               <a:t> el heap</a:t>
+            </a:r>
+            <a:endParaRPr lang="en-US" dirty="0">
+              <a:solidFill>
+                <a:schemeClr val="tx1"/>
+              </a:solidFill>
+            </a:endParaRPr>
+          </a:p>
+        </p:txBody>
+      </p:sp>
+      <p:sp>
+        <p:nvSpPr>
+          <p:cNvPr id="12" name="Rounded Rectangular Callout 11"/>
+          <p:cNvSpPr/>
+          <p:nvPr/>
+        </p:nvSpPr>
+        <p:spPr>
+          <a:xfrm>
+            <a:off x="7498080" y="4685860"/>
+            <a:ext cx="4400550" cy="1224286"/>
+          </a:xfrm>
+          <a:prstGeom prst="wedgeRoundRectCallout">
+            <a:avLst>
+              <a:gd name="adj1" fmla="val -61778"/>
+              <a:gd name="adj2" fmla="val -22178"/>
+              <a:gd name="adj3" fmla="val 16667"/>
+            </a:avLst>
+          </a:prstGeom>
+          <a:solidFill>
+            <a:srgbClr val="00B050">
+              <a:alpha val="20000"/>
+            </a:srgbClr>
+          </a:solidFill>
+          <a:ln>
+            <a:noFill/>
+          </a:ln>
+        </p:spPr>
+        <p:style>
+          <a:lnRef idx="2">
+            <a:schemeClr val="accent1">
+              <a:shade val="50000"/>
+            </a:schemeClr>
+          </a:lnRef>
+          <a:fillRef idx="1">
+            <a:schemeClr val="accent1"/>
+          </a:fillRef>
+          <a:effectRef idx="0">
+            <a:schemeClr val="accent1"/>
+          </a:effectRef>
+          <a:fontRef idx="minor">
+            <a:schemeClr val="lt1"/>
+          </a:fontRef>
+        </p:style>
+        <p:txBody>
+          <a:bodyPr rtlCol="0" anchor="ctr"/>
+          <a:lstStyle/>
+          <a:p>
+            <a:r>
+              <a:rPr lang="en-US" dirty="0" err="1" smtClean="0">
+                <a:solidFill>
+                  <a:schemeClr val="tx1"/>
+                </a:solidFill>
+              </a:rPr>
+              <a:t>Puede</a:t>
+            </a:r>
+            <a:r>
+              <a:rPr lang="en-US" dirty="0" smtClean="0">
+                <a:solidFill>
+                  <a:schemeClr val="tx1"/>
+                </a:solidFill>
+              </a:rPr>
+              <a:t> </a:t>
+            </a:r>
+            <a:r>
+              <a:rPr lang="en-US" dirty="0" err="1" smtClean="0">
+                <a:solidFill>
+                  <a:schemeClr val="tx1"/>
+                </a:solidFill>
+              </a:rPr>
+              <a:t>durar</a:t>
+            </a:r>
+            <a:r>
+              <a:rPr lang="en-US" dirty="0" smtClean="0">
+                <a:solidFill>
+                  <a:schemeClr val="tx1"/>
+                </a:solidFill>
+              </a:rPr>
+              <a:t> solo la </a:t>
+            </a:r>
+            <a:r>
+              <a:rPr lang="en-US" dirty="0" err="1" smtClean="0">
+                <a:solidFill>
+                  <a:schemeClr val="tx1"/>
+                </a:solidFill>
+              </a:rPr>
+              <a:t>ejecución</a:t>
+            </a:r>
+            <a:r>
+              <a:rPr lang="en-US" dirty="0" smtClean="0">
+                <a:solidFill>
+                  <a:schemeClr val="tx1"/>
+                </a:solidFill>
+              </a:rPr>
+              <a:t> del </a:t>
+            </a:r>
+            <a:r>
+              <a:rPr lang="en-US" dirty="0" err="1" smtClean="0">
+                <a:solidFill>
+                  <a:schemeClr val="tx1"/>
+                </a:solidFill>
+              </a:rPr>
+              <a:t>método</a:t>
+            </a:r>
+            <a:r>
+              <a:rPr lang="en-US" dirty="0" smtClean="0">
+                <a:solidFill>
+                  <a:schemeClr val="tx1"/>
+                </a:solidFill>
+              </a:rPr>
+              <a:t> o </a:t>
+            </a:r>
+            <a:r>
+              <a:rPr lang="en-US" dirty="0" err="1" smtClean="0">
+                <a:solidFill>
+                  <a:schemeClr val="tx1"/>
+                </a:solidFill>
+              </a:rPr>
+              <a:t>bloque</a:t>
+            </a:r>
+            <a:r>
+              <a:rPr lang="en-US" dirty="0" smtClean="0">
+                <a:solidFill>
+                  <a:schemeClr val="tx1"/>
+                </a:solidFill>
+              </a:rPr>
+              <a:t> </a:t>
+            </a:r>
+            <a:r>
+              <a:rPr lang="en-US" dirty="0" err="1" smtClean="0">
+                <a:solidFill>
+                  <a:schemeClr val="tx1"/>
+                </a:solidFill>
+              </a:rPr>
+              <a:t>donde</a:t>
+            </a:r>
+            <a:r>
+              <a:rPr lang="en-US" dirty="0" smtClean="0">
+                <a:solidFill>
+                  <a:schemeClr val="tx1"/>
+                </a:solidFill>
+              </a:rPr>
+              <a:t> </a:t>
+            </a:r>
+            <a:r>
+              <a:rPr lang="en-US" dirty="0" err="1" smtClean="0">
+                <a:solidFill>
+                  <a:schemeClr val="tx1"/>
+                </a:solidFill>
+              </a:rPr>
+              <a:t>fue</a:t>
+            </a:r>
+            <a:r>
+              <a:rPr lang="en-US" dirty="0" smtClean="0">
+                <a:solidFill>
+                  <a:schemeClr val="tx1"/>
+                </a:solidFill>
+              </a:rPr>
+              <a:t> </a:t>
+            </a:r>
+            <a:r>
+              <a:rPr lang="en-US" dirty="0" err="1" smtClean="0">
+                <a:solidFill>
+                  <a:schemeClr val="tx1"/>
+                </a:solidFill>
+              </a:rPr>
+              <a:t>creada</a:t>
+            </a:r>
+            <a:r>
+              <a:rPr lang="en-US" dirty="0" smtClean="0">
+                <a:solidFill>
+                  <a:schemeClr val="tx1"/>
+                </a:solidFill>
+              </a:rPr>
+              <a:t> o </a:t>
+            </a:r>
+            <a:r>
+              <a:rPr lang="en-US" dirty="0" err="1" smtClean="0">
+                <a:solidFill>
+                  <a:schemeClr val="tx1"/>
+                </a:solidFill>
+              </a:rPr>
+              <a:t>puede</a:t>
+            </a:r>
+            <a:r>
+              <a:rPr lang="en-US" dirty="0" smtClean="0">
+                <a:solidFill>
+                  <a:schemeClr val="tx1"/>
+                </a:solidFill>
+              </a:rPr>
+              <a:t> </a:t>
+            </a:r>
+            <a:r>
+              <a:rPr lang="en-US" dirty="0" err="1" smtClean="0">
+                <a:solidFill>
+                  <a:schemeClr val="tx1"/>
+                </a:solidFill>
+              </a:rPr>
+              <a:t>sobrepasar</a:t>
+            </a:r>
+            <a:r>
+              <a:rPr lang="en-US" dirty="0" smtClean="0">
+                <a:solidFill>
+                  <a:schemeClr val="tx1"/>
+                </a:solidFill>
+              </a:rPr>
+              <a:t> </a:t>
+            </a:r>
+            <a:r>
+              <a:rPr lang="en-US" dirty="0" err="1" smtClean="0">
+                <a:solidFill>
+                  <a:schemeClr val="tx1"/>
+                </a:solidFill>
+              </a:rPr>
+              <a:t>ésta</a:t>
+            </a:r>
+            <a:r>
+              <a:rPr lang="en-US" dirty="0" smtClean="0">
+                <a:solidFill>
+                  <a:schemeClr val="tx1"/>
+                </a:solidFill>
+              </a:rPr>
+              <a:t> </a:t>
+            </a:r>
+            <a:r>
+              <a:rPr lang="en-US" dirty="0" err="1" smtClean="0">
+                <a:solidFill>
+                  <a:schemeClr val="tx1"/>
+                </a:solidFill>
+              </a:rPr>
+              <a:t>si</a:t>
+            </a:r>
+            <a:r>
+              <a:rPr lang="en-US" dirty="0" smtClean="0">
+                <a:solidFill>
+                  <a:schemeClr val="tx1"/>
+                </a:solidFill>
+              </a:rPr>
+              <a:t> se </a:t>
+            </a:r>
+            <a:r>
+              <a:rPr lang="en-US" dirty="0" err="1" smtClean="0">
+                <a:solidFill>
+                  <a:schemeClr val="tx1"/>
+                </a:solidFill>
+              </a:rPr>
+              <a:t>hizo</a:t>
+            </a:r>
+            <a:r>
+              <a:rPr lang="en-US" dirty="0" smtClean="0">
+                <a:solidFill>
+                  <a:schemeClr val="tx1"/>
+                </a:solidFill>
+              </a:rPr>
+              <a:t> </a:t>
+            </a:r>
+            <a:r>
+              <a:rPr lang="en-US" dirty="0" err="1" smtClean="0">
+                <a:solidFill>
+                  <a:schemeClr val="tx1"/>
+                </a:solidFill>
+              </a:rPr>
+              <a:t>una</a:t>
+            </a:r>
+            <a:r>
+              <a:rPr lang="en-US" dirty="0" smtClean="0">
+                <a:solidFill>
+                  <a:schemeClr val="tx1"/>
+                </a:solidFill>
+              </a:rPr>
+              <a:t> </a:t>
+            </a:r>
+            <a:r>
+              <a:rPr lang="en-US" dirty="0" err="1" smtClean="0">
+                <a:solidFill>
+                  <a:schemeClr val="tx1"/>
+                </a:solidFill>
+              </a:rPr>
+              <a:t>copia</a:t>
+            </a:r>
+            <a:r>
+              <a:rPr lang="en-US" dirty="0" smtClean="0">
+                <a:solidFill>
+                  <a:schemeClr val="tx1"/>
+                </a:solidFill>
+              </a:rPr>
+              <a:t> de la </a:t>
+            </a:r>
+            <a:r>
+              <a:rPr lang="en-US" dirty="0" err="1" smtClean="0">
+                <a:solidFill>
+                  <a:schemeClr val="tx1"/>
+                </a:solidFill>
+              </a:rPr>
+              <a:t>referencia</a:t>
             </a:r>
             <a:endParaRPr lang="en-US" dirty="0">
               <a:solidFill>
@@ -33799,39 +34111,21 @@
                                   </p:childTnLst>
                                 </p:cTn>
                               </p:par>
-                            </p:childTnLst>
-                          </p:cTn>
-                        </p:par>
-                      </p:childTnLst>
-                    </p:cTn>
-                  </p:par>
-                  <p:par>
-                    <p:cTn id="17" fill="hold">
-                      <p:stCondLst>
-                        <p:cond delay="indefinite"/>
-                      </p:stCondLst>
-                      <p:childTnLst>
-                        <p:par>
-                          <p:cTn id="18" fill="hold">
-                            <p:stCondLst>
-                              <p:cond delay="0"/>
-                            </p:stCondLst>
-                            <p:childTnLst>
                               <p:par>
-                                <p:cTn id="19" presetID="1" presetClass="entr" presetSubtype="0" fill="hold" grpId="0" nodeType="clickEffect">
+                                <p:cTn id="17" presetID="1" presetClass="entr" presetSubtype="0" fill="hold" grpId="0" nodeType="withEffect">
                                   <p:stCondLst>
                                     <p:cond delay="0"/>
                                   </p:stCondLst>
                                   <p:childTnLst>
                                     <p:set>
                                       <p:cBhvr>
-                                        <p:cTn id="20" dur="1" fill="hold">
+                                        <p:cTn id="18" dur="1" fill="hold">
                                           <p:stCondLst>
                                             <p:cond delay="0"/>
                                           </p:stCondLst>
                                         </p:cTn>
                                         <p:tgtEl>
-                                          <p:spTgt spid="18"/>
+                                          <p:spTgt spid="20"/>
                                         </p:tgtEl>
                                         <p:attrNameLst>
                                           <p:attrName>style.visibility</p:attrName>
@@ -33851,32 +34145,32 @@
                     </p:cTn>
                   </p:par>
                   <p:par>
-                    <p:cTn id="21" fill="hold">
+                    <p:cTn id="19" fill="hold">
                       <p:stCondLst>
                         <p:cond delay="indefinite"/>
                       </p:stCondLst>
                       <p:childTnLst>
                         <p:par>
-                          <p:cTn id="22" fill="hold">
+                          <p:cTn id="20" fill="hold">
                             <p:stCondLst>
                               <p:cond delay="0"/>
                             </p:stCondLst>
                             <p:childTnLst>
                               <p:par>
-                                <p:cTn id="23" presetID="1" presetClass="entr" presetSubtype="0" fill="hold" grpId="0" nodeType="clickEffect">
+                                <p:cTn id="21" presetID="1" presetClass="entr" presetSubtype="0" fill="hold" grpId="0" nodeType="clickEffect">
                                   <p:stCondLst>
                                     <p:cond delay="0"/>
                                   </p:stCondLst>
                                   <p:childTnLst>
                                     <p:set>
                                       <p:cBhvr>
-                                        <p:cTn id="24" dur="1" fill="hold">
+                                        <p:cTn id="22" dur="1" fill="hold">
                                           <p:stCondLst>
                                             <p:cond delay="0"/>
                                           </p:stCondLst>
                                         </p:cTn>
                                         <p:tgtEl>
-                                          <p:spTgt spid="19"/>
+                                          <p:spTgt spid="18"/>
                                         </p:tgtEl>
                                         <p:attrNameLst>
                                           <p:attrName>style.visibility</p:attrName>
@@ -33890,20 +34184,65 @@
                                 </p:cTn>
                               </p:par>
                               <p:par>
-                                <p:cTn id="25" presetID="1" presetClass="entr" presetSubtype="0" fill="hold" grpId="0" nodeType="withEffect">
+                                <p:cTn id="23" presetID="1" presetClass="entr" presetSubtype="0" fill="hold" grpId="0" nodeType="withEffect">
                                   <p:stCondLst>
                                     <p:cond delay="0"/>
                                   </p:stCondLst>
                                   <p:childTnLst>
                                     <p:set>
                                       <p:cBhvr>
-                                        <p:cTn id="26" dur="1" fill="hold">
+                                        <p:cTn id="24" dur="1" fill="hold">
                                           <p:stCondLst>
                                             <p:cond delay="0"/>
                                           </p:stCondLst>
                                         </p:cTn>
                                         <p:tgtEl>
-                                          <p:spTgt spid="20"/>
+                                          <p:spTgt spid="12"/>
+                                        </p:tgtEl>
+                                        <p:attrNameLst>
+                                          <p:attrName>style.visibility</p:attrName>
+                                        </p:attrNameLst>
+                                      </p:cBhvr>
+                                      <p:to>
+                                        <p:strVal val="visible"/>
+                                      </p:to>
+                                    </p:set>
+                                  </p:childTnLst>
+                                </p:cTn>
+                              </p:par>
+                            </p:childTnLst>
+                          </p:cTn>
+                        </p:par>
+                      </p:childTnLst>
+                    </p:cTn>
+                  </p:par>
+                  <p:par>
+                    <p:cTn id="25" fill="hold">
+                      <p:stCondLst>
+                        <p:cond delay="indefinite"/>
+                      </p:stCondLst>
+                      <p:childTnLst>
+                        <p:par>
+                          <p:cTn id="26" fill="hold">
+                            <p:stCondLst>
+                              <p:cond delay="0"/>
+                            </p:stCondLst>
+                            <p:childTnLst>
+                              <p:par>
+                                <p:cTn id="27" presetID="1" presetClass="entr" presetSubtype="0" fill="hold" grpId="0" nodeType="clickEffect">
+                                  <p:stCondLst>
+                                    <p:cond delay="0"/>
+                                  </p:stCondLst>
+                                  <p:childTnLst>
+                                    <p:set>
+                                      <p:cBhvr>
+                                        <p:cTn id="28" dur="1" fill="hold">
+                                          <p:stCondLst>
+                                            <p:cond delay="0"/>
+                                          </p:stCondLst>
+                                        </p:cTn>
+                                        <p:tgtEl>
+                                          <p:spTgt spid="19"/>
                                         </p:tgtEl>
                                         <p:attrNameLst>
                                           <p:attrName>style.visibility</p:attrName>
@@ -33951,6 +34290,7 @@
       <p:bldP spid="19" grpId="0" animBg="1"/>
       <p:bldP spid="20" grpId="0" animBg="1"/>
       <p:bldP spid="21" grpId="0" animBg="1"/>
+      <p:bldP spid="12" grpId="0" animBg="1"/>
     </p:bldLst>
   </p:timing>
 </p:sld>
@@ -34790,7 +35130,15 @@
                   <a:schemeClr val="tx1"/>
                 </a:solidFill>
               </a:rPr>
-              <a:t> </a:t>
+              <a:t> el valor que se </a:t>
+            </a:r>
+            <a:r>
+              <a:rPr lang="en-US" dirty="0" err="1" smtClean="0">
+                <a:solidFill>
+                  <a:schemeClr val="tx1"/>
+                </a:solidFill>
+              </a:rPr>
+              <a:t>haya</a:t>
             </a:r>
             <a:r>
               <a:rPr lang="en-US" dirty="0" smtClean="0">
@@ -34798,7 +35146,15 @@
                   <a:schemeClr val="tx1"/>
                 </a:solidFill>
               </a:rPr>
-              <a:t>el </a:t>
+              <a:t> </a:t>
+            </a:r>
+            <a:r>
+              <a:rPr lang="en-US" dirty="0" err="1" smtClean="0">
+                <a:solidFill>
+                  <a:schemeClr val="tx1"/>
+                </a:solidFill>
+              </a:rPr>
+              <a:t>asociado</a:t>
             </a:r>
             <a:r>
               <a:rPr lang="en-US" dirty="0" smtClean="0">
@@ -34806,47 +35162,7 @@
                   <a:schemeClr val="tx1"/>
                 </a:solidFill>
               </a:rPr>
-              <a:t>valor que se </a:t>
-            </a:r>
-            <a:r>
-              <a:rPr lang="en-US" dirty="0" err="1" smtClean="0">
-                <a:solidFill>
-                  <a:schemeClr val="tx1"/>
-                </a:solidFill>
-              </a:rPr>
-              <a:t>haya</a:t>
-            </a:r>
-            <a:r>
-              <a:rPr lang="en-US" dirty="0" smtClean="0">
-                <a:solidFill>
-                  <a:schemeClr val="tx1"/>
-                </a:solidFill>
-              </a:rPr>
-              <a:t> </a:t>
-            </a:r>
-            <a:r>
-              <a:rPr lang="en-US" dirty="0" err="1" smtClean="0">
-                <a:solidFill>
-                  <a:schemeClr val="tx1"/>
-                </a:solidFill>
-              </a:rPr>
-              <a:t>asociado</a:t>
-            </a:r>
-            <a:r>
-              <a:rPr lang="en-US" dirty="0" smtClean="0">
-                <a:solidFill>
-                  <a:schemeClr val="tx1"/>
-                </a:solidFill>
-              </a:rPr>
-              <a:t> </a:t>
-            </a:r>
-            <a:r>
-              <a:rPr lang="en-US" dirty="0" smtClean="0">
-                <a:solidFill>
-                  <a:schemeClr val="tx1"/>
-                </a:solidFill>
-              </a:rPr>
-              <a:t>o </a:t>
+              <a:t> o </a:t>
             </a:r>
             <a:r>
               <a:rPr lang="en-US" dirty="0" err="1" smtClean="0">
@@ -35037,16 +35353,7 @@
                 </a:solidFill>
                 <a:latin typeface="Arial Narrow" panose="020B0606020202030204" pitchFamily="34" charset="0"/>
               </a:rPr>
-              <a:t> </a:t>
-            </a:r>
-            <a:r>
-              <a:rPr lang="en-US" sz="3200" cap="small" dirty="0" smtClean="0">
-                <a:solidFill>
-                  <a:schemeClr val="bg1"/>
-                </a:solidFill>
-                <a:latin typeface="Arial Narrow" panose="020B0606020202030204" pitchFamily="34" charset="0"/>
-              </a:rPr>
-              <a:t>a las que se </a:t>
+              <a:t> a las que se </a:t>
             </a:r>
             <a:r>
               <a:rPr lang="en-US" sz="3200" cap="small" dirty="0" err="1" smtClean="0">
@@ -35315,7 +35622,7 @@
 </file>
 
 <file path=ppt/slides/slide5.xml><?xml version="1.0" encoding="utf-8"?>
-<p:sld xmlns:a="http://schemas.openxmlformats.org/drawingml/2006/main" xmlns:r="http://schemas.openxmlformats.org/officeDocument/2006/relationships" xmlns:p="http://schemas.openxmlformats.org/presentationml/2006/main">
+<p:sld xmlns:a="http://schemas.openxmlformats.org/drawingml/2006/main" xmlns:r="http://schemas.openxmlformats.org/officeDocument/2006/relationships" xmlns:p="http://schemas.openxmlformats.org/presentationml/2006/main" show="0">
   <p:cSld>
     <p:spTree>
       <p:nvGrpSpPr>
@@ -35425,163 +35732,151 @@
               <a:rPr lang="en-US" sz="2000" dirty="0" smtClean="0">
                 <a:latin typeface="Arial Narrow" panose="020B0606020202030204" pitchFamily="34" charset="0"/>
               </a:rPr>
-              <a:t> </a:t>
+              <a:t> (</a:t>
+            </a:r>
+            <a:r>
+              <a:rPr lang="en-US" sz="2000" dirty="0" err="1" smtClean="0">
+                <a:latin typeface="Arial Narrow" panose="020B0606020202030204" pitchFamily="34" charset="0"/>
+              </a:rPr>
+              <a:t>memorizar</a:t>
             </a:r>
             <a:r>
               <a:rPr lang="en-US" sz="2000" dirty="0" smtClean="0">
                 <a:latin typeface="Arial Narrow" panose="020B0606020202030204" pitchFamily="34" charset="0"/>
               </a:rPr>
-              <a:t>(</a:t>
+              <a:t>) </a:t>
             </a:r>
             <a:r>
               <a:rPr lang="en-US" sz="2000" dirty="0" err="1" smtClean="0">
                 <a:latin typeface="Arial Narrow" panose="020B0606020202030204" pitchFamily="34" charset="0"/>
               </a:rPr>
-              <a:t>memorizar</a:t>
+              <a:t>los</a:t>
             </a:r>
             <a:r>
               <a:rPr lang="en-US" sz="2000" dirty="0" smtClean="0">
                 <a:latin typeface="Arial Narrow" panose="020B0606020202030204" pitchFamily="34" charset="0"/>
               </a:rPr>
-              <a:t>) </a:t>
+              <a:t> </a:t>
+            </a:r>
+            <a:r>
+              <a:rPr lang="en-US" sz="2000" dirty="0" err="1">
+                <a:latin typeface="Arial Narrow" panose="020B0606020202030204" pitchFamily="34" charset="0"/>
+              </a:rPr>
+              <a:t>valores</a:t>
+            </a:r>
+            <a:r>
+              <a:rPr lang="en-US" sz="2000" dirty="0">
+                <a:latin typeface="Arial Narrow" panose="020B0606020202030204" pitchFamily="34" charset="0"/>
+              </a:rPr>
+              <a:t> </a:t>
+            </a:r>
+            <a:r>
+              <a:rPr lang="en-US" sz="2000" dirty="0" err="1">
+                <a:latin typeface="Arial Narrow" panose="020B0606020202030204" pitchFamily="34" charset="0"/>
+              </a:rPr>
+              <a:t>computados</a:t>
+            </a:r>
+            <a:r>
+              <a:rPr lang="en-US" sz="2000" dirty="0">
+                <a:latin typeface="Arial Narrow" panose="020B0606020202030204" pitchFamily="34" charset="0"/>
+              </a:rPr>
+              <a:t> para que </a:t>
+            </a:r>
+            <a:r>
+              <a:rPr lang="en-US" sz="2000" dirty="0" err="1">
+                <a:latin typeface="Arial Narrow" panose="020B0606020202030204" pitchFamily="34" charset="0"/>
+              </a:rPr>
+              <a:t>puedan</a:t>
+            </a:r>
+            <a:r>
+              <a:rPr lang="en-US" sz="2000" dirty="0">
+                <a:latin typeface="Arial Narrow" panose="020B0606020202030204" pitchFamily="34" charset="0"/>
+              </a:rPr>
+              <a:t> </a:t>
+            </a:r>
+            <a:r>
+              <a:rPr lang="en-US" sz="2000" dirty="0" err="1">
+                <a:latin typeface="Arial Narrow" panose="020B0606020202030204" pitchFamily="34" charset="0"/>
+              </a:rPr>
+              <a:t>ser</a:t>
+            </a:r>
+            <a:r>
+              <a:rPr lang="en-US" sz="2000" dirty="0">
+                <a:latin typeface="Arial Narrow" panose="020B0606020202030204" pitchFamily="34" charset="0"/>
+              </a:rPr>
+              <a:t> </a:t>
+            </a:r>
+            <a:r>
+              <a:rPr lang="en-US" sz="2000" dirty="0" err="1">
+                <a:latin typeface="Arial Narrow" panose="020B0606020202030204" pitchFamily="34" charset="0"/>
+              </a:rPr>
+              <a:t>usados</a:t>
+            </a:r>
+            <a:r>
+              <a:rPr lang="en-US" sz="2000" dirty="0">
+                <a:latin typeface="Arial Narrow" panose="020B0606020202030204" pitchFamily="34" charset="0"/>
+              </a:rPr>
+              <a:t> </a:t>
             </a:r>
             <a:r>
               <a:rPr lang="en-US" sz="2000" dirty="0" err="1" smtClean="0">
                 <a:latin typeface="Arial Narrow" panose="020B0606020202030204" pitchFamily="34" charset="0"/>
               </a:rPr>
-              <a:t>los</a:t>
+              <a:t>posteriormente</a:t>
             </a:r>
             <a:r>
               <a:rPr lang="en-US" sz="2000" dirty="0" smtClean="0">
                 <a:latin typeface="Arial Narrow" panose="020B0606020202030204" pitchFamily="34" charset="0"/>
               </a:rPr>
-              <a:t> </a:t>
-            </a:r>
-            <a:r>
-              <a:rPr lang="en-US" sz="2000" dirty="0" err="1">
-                <a:latin typeface="Arial Narrow" panose="020B0606020202030204" pitchFamily="34" charset="0"/>
-              </a:rPr>
-              <a:t>valores</a:t>
-            </a:r>
-            <a:r>
-              <a:rPr lang="en-US" sz="2000" dirty="0">
-                <a:latin typeface="Arial Narrow" panose="020B0606020202030204" pitchFamily="34" charset="0"/>
-              </a:rPr>
-              <a:t> </a:t>
-            </a:r>
-            <a:r>
-              <a:rPr lang="en-US" sz="2000" dirty="0" err="1">
-                <a:latin typeface="Arial Narrow" panose="020B0606020202030204" pitchFamily="34" charset="0"/>
-              </a:rPr>
-              <a:t>computados</a:t>
-            </a:r>
-            <a:r>
-              <a:rPr lang="en-US" sz="2000" dirty="0">
-                <a:latin typeface="Arial Narrow" panose="020B0606020202030204" pitchFamily="34" charset="0"/>
-              </a:rPr>
-              <a:t> para que </a:t>
-            </a:r>
-            <a:r>
-              <a:rPr lang="en-US" sz="2000" dirty="0" err="1">
-                <a:latin typeface="Arial Narrow" panose="020B0606020202030204" pitchFamily="34" charset="0"/>
-              </a:rPr>
-              <a:t>puedan</a:t>
-            </a:r>
-            <a:r>
-              <a:rPr lang="en-US" sz="2000" dirty="0">
-                <a:latin typeface="Arial Narrow" panose="020B0606020202030204" pitchFamily="34" charset="0"/>
-              </a:rPr>
-              <a:t> </a:t>
-            </a:r>
-            <a:r>
-              <a:rPr lang="en-US" sz="2000" dirty="0" err="1">
-                <a:latin typeface="Arial Narrow" panose="020B0606020202030204" pitchFamily="34" charset="0"/>
-              </a:rPr>
-              <a:t>ser</a:t>
-            </a:r>
-            <a:r>
-              <a:rPr lang="en-US" sz="2000" dirty="0">
-                <a:latin typeface="Arial Narrow" panose="020B0606020202030204" pitchFamily="34" charset="0"/>
-              </a:rPr>
-              <a:t> </a:t>
-            </a:r>
-            <a:r>
-              <a:rPr lang="en-US" sz="2000" dirty="0" err="1">
-                <a:latin typeface="Arial Narrow" panose="020B0606020202030204" pitchFamily="34" charset="0"/>
-              </a:rPr>
-              <a:t>usados</a:t>
-            </a:r>
-            <a:r>
-              <a:rPr lang="en-US" sz="2000" dirty="0">
-                <a:latin typeface="Arial Narrow" panose="020B0606020202030204" pitchFamily="34" charset="0"/>
-              </a:rPr>
-              <a:t> </a:t>
+              <a:t> al </a:t>
             </a:r>
             <a:r>
               <a:rPr lang="en-US" sz="2000" dirty="0" err="1" smtClean="0">
                 <a:latin typeface="Arial Narrow" panose="020B0606020202030204" pitchFamily="34" charset="0"/>
               </a:rPr>
-              <a:t>posteriormente</a:t>
+              <a:t>momento</a:t>
             </a:r>
             <a:r>
               <a:rPr lang="en-US" sz="2000" dirty="0" smtClean="0">
                 <a:latin typeface="Arial Narrow" panose="020B0606020202030204" pitchFamily="34" charset="0"/>
               </a:rPr>
-              <a:t> al </a:t>
+              <a:t> </a:t>
             </a:r>
             <a:r>
               <a:rPr lang="en-US" sz="2000" dirty="0" err="1" smtClean="0">
                 <a:latin typeface="Arial Narrow" panose="020B0606020202030204" pitchFamily="34" charset="0"/>
               </a:rPr>
-              <a:t>momento</a:t>
+              <a:t>en</a:t>
             </a:r>
             <a:r>
               <a:rPr lang="en-US" sz="2000" dirty="0" smtClean="0">
                 <a:latin typeface="Arial Narrow" panose="020B0606020202030204" pitchFamily="34" charset="0"/>
               </a:rPr>
-              <a:t> </a:t>
+              <a:t> que </a:t>
             </a:r>
             <a:r>
               <a:rPr lang="en-US" sz="2000" dirty="0" err="1" smtClean="0">
                 <a:latin typeface="Arial Narrow" panose="020B0606020202030204" pitchFamily="34" charset="0"/>
               </a:rPr>
-              <a:t>en</a:t>
+              <a:t>fueron</a:t>
             </a:r>
             <a:r>
               <a:rPr lang="en-US" sz="2000" dirty="0" smtClean="0">
                 <a:latin typeface="Arial Narrow" panose="020B0606020202030204" pitchFamily="34" charset="0"/>
               </a:rPr>
-              <a:t> que </a:t>
+              <a:t> </a:t>
             </a:r>
             <a:r>
               <a:rPr lang="en-US" sz="2000" dirty="0" err="1" smtClean="0">
                 <a:latin typeface="Arial Narrow" panose="020B0606020202030204" pitchFamily="34" charset="0"/>
               </a:rPr>
-              <a:t>fueron</a:t>
+              <a:t>producidos</a:t>
             </a:r>
             <a:r>
               <a:rPr lang="en-US" sz="2000" dirty="0" smtClean="0">
                 <a:latin typeface="Arial Narrow" panose="020B0606020202030204" pitchFamily="34" charset="0"/>
               </a:rPr>
-              <a:t> </a:t>
-            </a:r>
-            <a:r>
-              <a:rPr lang="en-US" sz="2000" dirty="0" err="1" smtClean="0">
-                <a:latin typeface="Arial Narrow" panose="020B0606020202030204" pitchFamily="34" charset="0"/>
-              </a:rPr>
-              <a:t>producidos</a:t>
-            </a:r>
-            <a:r>
-              <a:rPr lang="en-US" sz="2000" dirty="0" smtClean="0">
-                <a:latin typeface="Arial Narrow" panose="020B0606020202030204" pitchFamily="34" charset="0"/>
-              </a:rPr>
-              <a:t>? </a:t>
-            </a:r>
-            <a:r>
-              <a:rPr lang="en-US" sz="2000" dirty="0" smtClean="0">
-                <a:latin typeface="Arial Narrow" panose="020B0606020202030204" pitchFamily="34" charset="0"/>
-              </a:rPr>
-              <a:t>El </a:t>
+              <a:t>? El </a:t>
             </a:r>
             <a:r>
               <a:rPr lang="en-US" sz="2000" dirty="0" err="1" smtClean="0">
@@ -36544,6 +36839,14 @@
   <p:clrMapOvr>
     <a:masterClrMapping/>
   </p:clrMapOvr>
+  <mc:AlternateContent xmlns:mc="http://schemas.openxmlformats.org/markup-compatibility/2006" xmlns:p14="http://schemas.microsoft.com/office/powerpoint/2010/main">
+    <mc:Choice Requires="p14">
+      <p:transition spd="slow" p14:dur="2000"/>
+    </mc:Choice>
+    <mc:Fallback xmlns="">
+      <p:transition spd="slow"/>
+    </mc:Fallback>
+  </mc:AlternateContent>
   <p:timing>
     <p:tnLst>
       <p:par>
@@ -37448,16 +37751,7 @@
                 </a:solidFill>
                 <a:latin typeface="Consolas" panose="020B0609020204030204" pitchFamily="49" charset="0"/>
               </a:rPr>
-              <a:t> </a:t>
-            </a:r>
-            <a:r>
-              <a:rPr lang="en-US" sz="2000" b="1" dirty="0">
-                <a:solidFill>
-                  <a:schemeClr val="tx1"/>
-                </a:solidFill>
-                <a:latin typeface="Consolas" panose="020B0609020204030204" pitchFamily="49" charset="0"/>
-              </a:rPr>
-              <a:t>Main</a:t>
+              <a:t> Main</a:t>
             </a:r>
             <a:r>
               <a:rPr lang="en-US" sz="2000" dirty="0" smtClean="0">
@@ -37483,7 +37777,7 @@
         </p:nvSpPr>
         <p:spPr bwMode="auto">
           <a:xfrm>
-            <a:off x="4491816" y="5684356"/>
+            <a:off x="4491816" y="5846034"/>
             <a:ext cx="7452534" cy="946746"/>
           </a:xfrm>
           <a:prstGeom prst="roundRect">
@@ -37742,131 +38036,146 @@
           </a:p>
         </p:txBody>
       </p:sp>
-      <p:sp>
-        <p:nvSpPr>
-          <p:cNvPr id="2" name="Rounded Rectangle 1"/>
-          <p:cNvSpPr/>
+      <p:grpSp>
+        <p:nvGrpSpPr>
+          <p:cNvPr id="3" name="Group 2"/>
+          <p:cNvGrpSpPr/>
           <p:nvPr/>
-        </p:nvSpPr>
-        <p:spPr>
+        </p:nvGrpSpPr>
+        <p:grpSpPr>
           <a:xfrm>
-            <a:off x="10106044" y="1663775"/>
-            <a:ext cx="1314450" cy="483807"/>
+            <a:off x="5966234" y="1663775"/>
+            <a:ext cx="5454260" cy="1452231"/>
+            <a:chOff x="5966234" y="1663775"/>
+            <a:chExt cx="5454260" cy="1452231"/>
           </a:xfrm>
-          <a:prstGeom prst="roundRect">
-            <a:avLst/>
-          </a:prstGeom>
-          <a:solidFill>
-            <a:srgbClr val="D9D9D9">
-              <a:alpha val="40000"/>
-            </a:srgbClr>
-          </a:solidFill>
-          <a:ln w="28575">
+        </p:grpSpPr>
+        <p:sp>
+          <p:nvSpPr>
+            <p:cNvPr id="2" name="Rounded Rectangle 1"/>
+            <p:cNvSpPr/>
+            <p:nvPr/>
+          </p:nvSpPr>
+          <p:spPr>
+            <a:xfrm>
+              <a:off x="10106044" y="1663775"/>
+              <a:ext cx="1314450" cy="483807"/>
+            </a:xfrm>
+            <a:prstGeom prst="roundRect">
+              <a:avLst/>
+            </a:prstGeom>
             <a:solidFill>
+              <a:srgbClr val="D9D9D9">
+                <a:alpha val="40000"/>
+              </a:srgbClr>
+            </a:solidFill>
+            <a:ln w="28575">
+              <a:solidFill>
+                <a:schemeClr val="tx1"/>
+              </a:solidFill>
+              <a:prstDash val="sysDash"/>
+            </a:ln>
+          </p:spPr>
+          <p:style>
+            <a:lnRef idx="2">
+              <a:schemeClr val="accent1">
+                <a:shade val="50000"/>
+              </a:schemeClr>
+            </a:lnRef>
+            <a:fillRef idx="1">
+              <a:schemeClr val="accent1"/>
+            </a:fillRef>
+            <a:effectRef idx="0">
+              <a:schemeClr val="accent1"/>
+            </a:effectRef>
+            <a:fontRef idx="minor">
+              <a:schemeClr val="lt1"/>
+            </a:fontRef>
+          </p:style>
+          <p:txBody>
+            <a:bodyPr rtlCol="0" anchor="ctr"/>
+            <a:lstStyle/>
+            <a:p>
+              <a:pPr algn="ctr"/>
+              <a:endParaRPr lang="en-US"/>
+            </a:p>
+          </p:txBody>
+        </p:sp>
+        <p:cxnSp>
+          <p:nvCxnSpPr>
+            <p:cNvPr id="19" name="Straight Arrow Connector 18"/>
+            <p:cNvCxnSpPr/>
+            <p:nvPr/>
+          </p:nvCxnSpPr>
+          <p:spPr>
+            <a:xfrm flipV="1">
+              <a:off x="5966234" y="1940468"/>
+              <a:ext cx="4117692" cy="1173238"/>
+            </a:xfrm>
+            <a:prstGeom prst="straightConnector1">
+              <a:avLst/>
+            </a:prstGeom>
+            <a:ln>
+              <a:solidFill>
+                <a:schemeClr val="tx1"/>
+              </a:solidFill>
+              <a:tailEnd type="triangle"/>
+            </a:ln>
+          </p:spPr>
+          <p:style>
+            <a:lnRef idx="1">
+              <a:schemeClr val="accent1"/>
+            </a:lnRef>
+            <a:fillRef idx="0">
+              <a:schemeClr val="accent1"/>
+            </a:fillRef>
+            <a:effectRef idx="0">
+              <a:schemeClr val="accent1"/>
+            </a:effectRef>
+            <a:fontRef idx="minor">
               <a:schemeClr val="tx1"/>
-            </a:solidFill>
-            <a:prstDash val="sysDash"/>
-          </a:ln>
-        </p:spPr>
-        <p:style>
-          <a:lnRef idx="2">
-            <a:schemeClr val="accent1">
-              <a:shade val="50000"/>
-            </a:schemeClr>
-          </a:lnRef>
-          <a:fillRef idx="1">
-            <a:schemeClr val="accent1"/>
-          </a:fillRef>
-          <a:effectRef idx="0">
-            <a:schemeClr val="accent1"/>
-          </a:effectRef>
-          <a:fontRef idx="minor">
-            <a:schemeClr val="lt1"/>
-          </a:fontRef>
-        </p:style>
-        <p:txBody>
-          <a:bodyPr rtlCol="0" anchor="ctr"/>
-          <a:lstStyle/>
-          <a:p>
-            <a:pPr algn="ctr"/>
-            <a:endParaRPr lang="en-US"/>
-          </a:p>
-        </p:txBody>
-      </p:sp>
-      <p:cxnSp>
-        <p:nvCxnSpPr>
-          <p:cNvPr id="19" name="Straight Arrow Connector 18"/>
-          <p:cNvCxnSpPr/>
-          <p:nvPr/>
-        </p:nvCxnSpPr>
-        <p:spPr>
-          <a:xfrm flipV="1">
-            <a:off x="5966234" y="1940468"/>
-            <a:ext cx="4117692" cy="1173238"/>
-          </a:xfrm>
-          <a:prstGeom prst="straightConnector1">
-            <a:avLst/>
-          </a:prstGeom>
-          <a:ln>
-            <a:solidFill>
+            </a:fontRef>
+          </p:style>
+        </p:cxnSp>
+        <p:cxnSp>
+          <p:nvCxnSpPr>
+            <p:cNvPr id="21" name="Straight Arrow Connector 20"/>
+            <p:cNvCxnSpPr>
+              <a:endCxn id="2" idx="1"/>
+            </p:cNvCxnSpPr>
+            <p:nvPr/>
+          </p:nvCxnSpPr>
+          <p:spPr>
+            <a:xfrm flipV="1">
+              <a:off x="6713220" y="1905679"/>
+              <a:ext cx="3392824" cy="1210327"/>
+            </a:xfrm>
+            <a:prstGeom prst="straightConnector1">
+              <a:avLst/>
+            </a:prstGeom>
+            <a:ln>
+              <a:solidFill>
+                <a:schemeClr val="tx1"/>
+              </a:solidFill>
+              <a:tailEnd type="triangle"/>
+            </a:ln>
+          </p:spPr>
+          <p:style>
+            <a:lnRef idx="1">
+              <a:schemeClr val="accent1"/>
+            </a:lnRef>
+            <a:fillRef idx="0">
+              <a:schemeClr val="accent1"/>
+            </a:fillRef>
+            <a:effectRef idx="0">
+              <a:schemeClr val="accent1"/>
+            </a:effectRef>
+            <a:fontRef idx="minor">
               <a:schemeClr val="tx1"/>
-            </a:solidFill>
-            <a:tailEnd type="triangle"/>
-          </a:ln>
-        </p:spPr>
-        <p:style>
-          <a:lnRef idx="1">
-            <a:schemeClr val="accent1"/>
-          </a:lnRef>
-          <a:fillRef idx="0">
-            <a:schemeClr val="accent1"/>
-          </a:fillRef>
-          <a:effectRef idx="0">
-            <a:schemeClr val="accent1"/>
-          </a:effectRef>
-          <a:fontRef idx="minor">
-            <a:schemeClr val="tx1"/>
-          </a:fontRef>
-        </p:style>
-      </p:cxnSp>
-      <p:cxnSp>
-        <p:nvCxnSpPr>
-          <p:cNvPr id="21" name="Straight Arrow Connector 20"/>
-          <p:cNvCxnSpPr>
-            <a:endCxn id="2" idx="1"/>
-          </p:cNvCxnSpPr>
-          <p:nvPr/>
-        </p:nvCxnSpPr>
-        <p:spPr>
-          <a:xfrm flipV="1">
-            <a:off x="6713220" y="1905679"/>
-            <a:ext cx="3392824" cy="1210327"/>
-          </a:xfrm>
-          <a:prstGeom prst="straightConnector1">
-            <a:avLst/>
-          </a:prstGeom>
-          <a:ln>
-            <a:solidFill>
-              <a:schemeClr val="tx1"/>
-            </a:solidFill>
-            <a:tailEnd type="triangle"/>
-          </a:ln>
-        </p:spPr>
-        <p:style>
-          <a:lnRef idx="1">
-            <a:schemeClr val="accent1"/>
-          </a:lnRef>
-          <a:fillRef idx="0">
-            <a:schemeClr val="accent1"/>
-          </a:fillRef>
-          <a:effectRef idx="0">
-            <a:schemeClr val="accent1"/>
-          </a:effectRef>
-          <a:fontRef idx="minor">
-            <a:schemeClr val="tx1"/>
-          </a:fontRef>
-        </p:style>
-      </p:cxnSp>
+            </a:fontRef>
+          </p:style>
+        </p:cxnSp>
+      </p:grpSp>
       <p:sp>
         <p:nvSpPr>
           <p:cNvPr id="22" name="1 Rectángulo redondeado"/>
@@ -38248,39 +38557,21 @@
                                   </p:childTnLst>
                                 </p:cTn>
                               </p:par>
-                            </p:childTnLst>
-                          </p:cTn>
-                        </p:par>
-                      </p:childTnLst>
-                    </p:cTn>
-                  </p:par>
-                  <p:par>
-                    <p:cTn id="23" fill="hold">
-                      <p:stCondLst>
-                        <p:cond delay="indefinite"/>
-                      </p:stCondLst>
-                      <p:childTnLst>
-                        <p:par>
-                          <p:cTn id="24" fill="hold">
-                            <p:stCondLst>
-                              <p:cond delay="0"/>
-                            </p:stCondLst>
-                            <p:childTnLst>
                               <p:par>
-                                <p:cTn id="25" presetID="1" presetClass="entr" presetSubtype="0" fill="hold" grpId="0" nodeType="clickEffect">
+                                <p:cTn id="23" presetID="1" presetClass="entr" presetSubtype="0" fill="hold" grpId="0" nodeType="withEffect">
                                   <p:stCondLst>
                                     <p:cond delay="0"/>
                                   </p:stCondLst>
                                   <p:childTnLst>
                                     <p:set>
                                       <p:cBhvr>
-                                        <p:cTn id="26" dur="1" fill="hold">
+                                        <p:cTn id="24" dur="1" fill="hold">
                                           <p:stCondLst>
                                             <p:cond delay="0"/>
                                           </p:stCondLst>
                                         </p:cTn>
                                         <p:tgtEl>
-                                          <p:spTgt spid="15"/>
+                                          <p:spTgt spid="18"/>
                                         </p:tgtEl>
                                         <p:attrNameLst>
                                           <p:attrName>style.visibility</p:attrName>
@@ -38300,19 +38591,46 @@
                     </p:cTn>
                   </p:par>
                   <p:par>
-                    <p:cTn id="27" fill="hold">
+                    <p:cTn id="25" fill="hold">
                       <p:stCondLst>
                         <p:cond delay="indefinite"/>
                       </p:stCondLst>
                       <p:childTnLst>
                         <p:par>
-                          <p:cTn id="28" fill="hold">
+                          <p:cTn id="26" fill="hold">
                             <p:stCondLst>
                               <p:cond delay="0"/>
                             </p:stCondLst>
                             <p:childTnLst>
                               <p:par>
-                                <p:cTn id="29" presetID="1" presetClass="entr" presetSubtype="0" fill="hold" grpId="0" nodeType="clickEffect">
+                                <p:cTn id="27" presetID="1" presetClass="entr" presetSubtype="0" fill="hold" nodeType="clickEffect">
+                                  <p:stCondLst>
+                                    <p:cond delay="0"/>
+                                  </p:stCondLst>
+                                  <p:childTnLst>
+                                    <p:set>
+                                      <p:cBhvr>
+                                        <p:cTn id="28" dur="1" fill="hold">
+                                          <p:stCondLst>
+                                            <p:cond delay="0"/>
+                                          </p:stCondLst>
+                                        </p:cTn>
+                                        <p:tgtEl>
+                                          <p:spTgt spid="3"/>
+                                        </p:tgtEl>
+                                        <p:attrNameLst>
+                                          <p:attrName>style.visibility</p:attrName>
+                                        </p:attrNameLst>
+                                      </p:cBhvr>
+                                      <p:to>
+                                        <p:strVal val="visible"/>
+                                      </p:to>
+                                    </p:set>
+                                  </p:childTnLst>
+                                </p:cTn>
+                              </p:par>
+                              <p:par>
+                                <p:cTn id="29" presetID="1" presetClass="entr" presetSubtype="0" fill="hold" grpId="0" nodeType="withEffect">
                                   <p:stCondLst>
                                     <p:cond delay="0"/>
                                   </p:stCondLst>
@@ -38325,7 +38643,7 @@
                                           </p:stCondLst>
                                         </p:cTn>
                                         <p:tgtEl>
-                                          <p:spTgt spid="16"/>
+                                          <p:spTgt spid="22"/>
                                         </p:tgtEl>
                                         <p:attrNameLst>
                                           <p:attrName>style.visibility</p:attrName>
@@ -38370,7 +38688,52 @@
                                           </p:stCondLst>
                                         </p:cTn>
                                         <p:tgtEl>
-                                          <p:spTgt spid="18"/>
+                                          <p:spTgt spid="15"/>
+                                        </p:tgtEl>
+                                        <p:attrNameLst>
+                                          <p:attrName>style.visibility</p:attrName>
+                                        </p:attrNameLst>
+                                      </p:cBhvr>
+                                      <p:to>
+                                        <p:strVal val="visible"/>
+                                      </p:to>
+                                    </p:set>
+                                  </p:childTnLst>
+                                </p:cTn>
+                              </p:par>
+                            </p:childTnLst>
+                          </p:cTn>
+                        </p:par>
+                      </p:childTnLst>
+                    </p:cTn>
+                  </p:par>
+                  <p:par>
+                    <p:cTn id="35" fill="hold">
+                      <p:stCondLst>
+                        <p:cond delay="indefinite"/>
+                      </p:stCondLst>
+                      <p:childTnLst>
+                        <p:par>
+                          <p:cTn id="36" fill="hold">
+                            <p:stCondLst>
+                              <p:cond delay="0"/>
+                            </p:stCondLst>
+                            <p:childTnLst>
+                              <p:par>
+                                <p:cTn id="37" presetID="1" presetClass="entr" presetSubtype="0" fill="hold" grpId="0" nodeType="clickEffect">
+                                  <p:stCondLst>
+                                    <p:cond delay="0"/>
+                                  </p:stCondLst>
+                                  <p:childTnLst>
+                                    <p:set>
+                                      <p:cBhvr>
+                                        <p:cTn id="38" dur="1" fill="hold">
+                                          <p:stCondLst>
+                                            <p:cond delay="0"/>
+                                          </p:stCondLst>
+                                        </p:cTn>
+                                        <p:tgtEl>
+                                          <p:spTgt spid="16"/>
                                         </p:tgtEl>
                                         <p:attrNameLst>
                                           <p:attrName>style.visibility</p:attrName>
@@ -38417,6 +38780,7 @@
       <p:bldP spid="16" grpId="0" animBg="1"/>
       <p:bldP spid="17" grpId="0" animBg="1"/>
       <p:bldP spid="18" grpId="0" animBg="1"/>
+      <p:bldP spid="22" grpId="0" animBg="1"/>
     </p:bldLst>
   </p:timing>
 </p:sld>
